--- a/G05_1/非受控文档/可行性研究报告/G05_可行性研究报告PPT.pptx
+++ b/G05_1/非受控文档/可行性研究报告/G05_可行性研究报告PPT.pptx
@@ -5,7 +5,7 @@
     <p:sldMasterId id="2147483648" r:id="rId1"/>
   </p:sldMasterIdLst>
   <p:notesMasterIdLst>
-    <p:notesMasterId r:id="rId39"/>
+    <p:notesMasterId r:id="rId38"/>
   </p:notesMasterIdLst>
   <p:sldIdLst>
     <p:sldId id="256" r:id="rId2"/>
@@ -27,24 +27,23 @@
     <p:sldId id="284" r:id="rId18"/>
     <p:sldId id="275" r:id="rId19"/>
     <p:sldId id="292" r:id="rId20"/>
-    <p:sldId id="360" r:id="rId21"/>
-    <p:sldId id="362" r:id="rId22"/>
-    <p:sldId id="363" r:id="rId23"/>
-    <p:sldId id="364" r:id="rId24"/>
-    <p:sldId id="342" r:id="rId25"/>
-    <p:sldId id="343" r:id="rId26"/>
-    <p:sldId id="365" r:id="rId27"/>
-    <p:sldId id="359" r:id="rId28"/>
-    <p:sldId id="344" r:id="rId29"/>
-    <p:sldId id="276" r:id="rId30"/>
-    <p:sldId id="345" r:id="rId31"/>
-    <p:sldId id="366" r:id="rId32"/>
-    <p:sldId id="367" r:id="rId33"/>
-    <p:sldId id="346" r:id="rId34"/>
-    <p:sldId id="348" r:id="rId35"/>
-    <p:sldId id="349" r:id="rId36"/>
-    <p:sldId id="277" r:id="rId37"/>
-    <p:sldId id="258" r:id="rId38"/>
+    <p:sldId id="362" r:id="rId21"/>
+    <p:sldId id="363" r:id="rId22"/>
+    <p:sldId id="364" r:id="rId23"/>
+    <p:sldId id="342" r:id="rId24"/>
+    <p:sldId id="343" r:id="rId25"/>
+    <p:sldId id="365" r:id="rId26"/>
+    <p:sldId id="359" r:id="rId27"/>
+    <p:sldId id="344" r:id="rId28"/>
+    <p:sldId id="276" r:id="rId29"/>
+    <p:sldId id="345" r:id="rId30"/>
+    <p:sldId id="366" r:id="rId31"/>
+    <p:sldId id="367" r:id="rId32"/>
+    <p:sldId id="346" r:id="rId33"/>
+    <p:sldId id="348" r:id="rId34"/>
+    <p:sldId id="349" r:id="rId35"/>
+    <p:sldId id="277" r:id="rId36"/>
+    <p:sldId id="258" r:id="rId37"/>
   </p:sldIdLst>
   <p:sldSz cx="12192000" cy="6858000"/>
   <p:notesSz cx="6858000" cy="9144000"/>
@@ -2853,85 +2852,6 @@
             <a:fld id="{7E8911A1-FBD1-4777-97C5-41E6FA248277}" type="slidenum">
               <a:rPr lang="zh-CN" altLang="en-US" smtClean="0"/>
               <a:t>36</a:t>
-            </a:fld>
-            <a:endParaRPr lang="zh-CN" altLang="en-US"/>
-          </a:p>
-        </p:txBody>
-      </p:sp>
-    </p:spTree>
-  </p:cSld>
-  <p:clrMapOvr>
-    <a:masterClrMapping/>
-  </p:clrMapOvr>
-</p:notes>
-</file>
-
-<file path=ppt/notesSlides/notesSlide37.xml><?xml version="1.0" encoding="utf-8"?>
-<p:notes xmlns:a="http://schemas.openxmlformats.org/drawingml/2006/main" xmlns:r="http://schemas.openxmlformats.org/officeDocument/2006/relationships" xmlns:p="http://schemas.openxmlformats.org/presentationml/2006/main">
-  <p:cSld>
-    <p:spTree>
-      <p:nvGrpSpPr>
-        <p:cNvPr id="1" name=""/>
-        <p:cNvGrpSpPr/>
-        <p:nvPr/>
-      </p:nvGrpSpPr>
-      <p:grpSpPr>
-        <a:xfrm>
-          <a:off x="0" y="0"/>
-          <a:ext cx="0" cy="0"/>
-          <a:chOff x="0" y="0"/>
-          <a:chExt cx="0" cy="0"/>
-        </a:xfrm>
-      </p:grpSpPr>
-      <p:sp>
-        <p:nvSpPr>
-          <p:cNvPr id="2" name="幻灯片图像占位符 1"/>
-          <p:cNvSpPr>
-            <a:spLocks noGrp="1" noRot="1" noChangeAspect="1"/>
-          </p:cNvSpPr>
-          <p:nvPr>
-            <p:ph type="sldImg"/>
-          </p:nvPr>
-        </p:nvSpPr>
-        <p:spPr/>
-      </p:sp>
-      <p:sp>
-        <p:nvSpPr>
-          <p:cNvPr id="3" name="备注占位符 2"/>
-          <p:cNvSpPr>
-            <a:spLocks noGrp="1"/>
-          </p:cNvSpPr>
-          <p:nvPr>
-            <p:ph type="body" idx="1"/>
-          </p:nvPr>
-        </p:nvSpPr>
-        <p:spPr/>
-        <p:txBody>
-          <a:bodyPr/>
-          <a:lstStyle/>
-          <a:p>
-            <a:endParaRPr lang="zh-CN" altLang="en-US"/>
-          </a:p>
-        </p:txBody>
-      </p:sp>
-      <p:sp>
-        <p:nvSpPr>
-          <p:cNvPr id="4" name="灯片编号占位符 3"/>
-          <p:cNvSpPr>
-            <a:spLocks noGrp="1"/>
-          </p:cNvSpPr>
-          <p:nvPr>
-            <p:ph type="sldNum" sz="quarter" idx="10"/>
-          </p:nvPr>
-        </p:nvSpPr>
-        <p:spPr/>
-        <p:txBody>
-          <a:bodyPr/>
-          <a:lstStyle/>
-          <a:p>
-            <a:fld id="{7E8911A1-FBD1-4777-97C5-41E6FA248277}" type="slidenum">
-              <a:rPr lang="zh-CN" altLang="en-US" smtClean="0"/>
-              <a:t>37</a:t>
             </a:fld>
             <a:endParaRPr lang="zh-CN" altLang="en-US"/>
           </a:p>
@@ -13716,1997 +13636,6 @@
           <a:chExt cx="0" cy="0"/>
         </a:xfrm>
       </p:grpSpPr>
-      <p:sp>
-        <p:nvSpPr>
-          <p:cNvPr id="11" name="MH_Other_3"/>
-          <p:cNvSpPr txBox="1"/>
-          <p:nvPr>
-            <p:custDataLst>
-              <p:tags r:id="rId2"/>
-            </p:custDataLst>
-          </p:nvPr>
-        </p:nvSpPr>
-        <p:spPr>
-          <a:xfrm>
-            <a:off x="10524490" y="5076190"/>
-            <a:ext cx="666750" cy="831850"/>
-          </a:xfrm>
-          <a:prstGeom prst="rect">
-            <a:avLst/>
-          </a:prstGeom>
-          <a:noFill/>
-        </p:spPr>
-        <p:txBody>
-          <a:bodyPr anchor="ctr">
-            <a:spAutoFit/>
-          </a:bodyPr>
-          <a:lstStyle/>
-          <a:p>
-            <a:pPr algn="ctr">
-              <a:defRPr/>
-            </a:pPr>
-            <a:r>
-              <a:rPr lang="en-US" altLang="zh-CN" sz="4800" dirty="0">
-                <a:solidFill>
-                  <a:schemeClr val="accent2"/>
-                </a:solidFill>
-                <a:latin typeface="Arial Black" panose="020B0A04020102020204" pitchFamily="34" charset="0"/>
-              </a:rPr>
-              <a:t>”</a:t>
-            </a:r>
-            <a:endParaRPr lang="zh-CN" altLang="en-US" sz="4800" dirty="0">
-              <a:solidFill>
-                <a:schemeClr val="accent2"/>
-              </a:solidFill>
-              <a:latin typeface="Arial Black" panose="020B0A04020102020204" pitchFamily="34" charset="0"/>
-            </a:endParaRPr>
-          </a:p>
-        </p:txBody>
-      </p:sp>
-      <p:sp>
-        <p:nvSpPr>
-          <p:cNvPr id="12" name="MH_Other_4"/>
-          <p:cNvSpPr txBox="1"/>
-          <p:nvPr>
-            <p:custDataLst>
-              <p:tags r:id="rId3"/>
-            </p:custDataLst>
-          </p:nvPr>
-        </p:nvSpPr>
-        <p:spPr>
-          <a:xfrm>
-            <a:off x="643890" y="1117758"/>
-            <a:ext cx="666750" cy="887095"/>
-          </a:xfrm>
-          <a:prstGeom prst="rect">
-            <a:avLst/>
-          </a:prstGeom>
-          <a:noFill/>
-        </p:spPr>
-        <p:txBody>
-          <a:bodyPr wrap="square" anchor="ctr">
-            <a:spAutoFit/>
-          </a:bodyPr>
-          <a:lstStyle/>
-          <a:p>
-            <a:pPr algn="ctr">
-              <a:defRPr/>
-            </a:pPr>
-            <a:r>
-              <a:rPr lang="en-US" altLang="zh-CN" sz="4800" dirty="0">
-                <a:solidFill>
-                  <a:schemeClr val="accent2"/>
-                </a:solidFill>
-                <a:latin typeface="Arial Black" panose="020B0A04020102020204" pitchFamily="34" charset="0"/>
-              </a:rPr>
-              <a:t>“</a:t>
-            </a:r>
-            <a:endParaRPr lang="zh-CN" altLang="en-US" sz="4800" dirty="0">
-              <a:solidFill>
-                <a:schemeClr val="accent2"/>
-              </a:solidFill>
-              <a:latin typeface="Arial Black" panose="020B0A04020102020204" pitchFamily="34" charset="0"/>
-            </a:endParaRPr>
-          </a:p>
-        </p:txBody>
-      </p:sp>
-      <p:sp>
-        <p:nvSpPr>
-          <p:cNvPr id="3" name="标题 1"/>
-          <p:cNvSpPr>
-            <a:spLocks noGrp="1"/>
-          </p:cNvSpPr>
-          <p:nvPr>
-            <p:custDataLst>
-              <p:tags r:id="rId4"/>
-            </p:custDataLst>
-          </p:nvPr>
-        </p:nvSpPr>
-        <p:spPr>
-          <a:xfrm>
-            <a:off x="965200" y="521154"/>
-            <a:ext cx="10515599" cy="723445"/>
-          </a:xfrm>
-          <a:prstGeom prst="rect">
-            <a:avLst/>
-          </a:prstGeom>
-        </p:spPr>
-        <p:txBody>
-          <a:bodyPr vert="horz" lIns="91440" tIns="45720" rIns="91440" bIns="45720" rtlCol="0" anchor="ctr">
-            <a:normAutofit/>
-          </a:bodyPr>
-          <a:lstStyle>
-            <a:lvl1pPr algn="l" defTabSz="914400" rtl="0" eaLnBrk="1" latinLnBrk="0" hangingPunct="1">
-              <a:lnSpc>
-                <a:spcPct val="90000"/>
-              </a:lnSpc>
-              <a:spcBef>
-                <a:spcPct val="0"/>
-              </a:spcBef>
-              <a:buNone/>
-              <a:defRPr sz="3200" kern="1200">
-                <a:solidFill>
-                  <a:schemeClr val="accent1"/>
-                </a:solidFill>
-                <a:latin typeface="+mj-lt"/>
-                <a:ea typeface="+mj-ea"/>
-                <a:cs typeface="+mj-cs"/>
-              </a:defRPr>
-            </a:lvl1pPr>
-          </a:lstStyle>
-          <a:p>
-            <a:r>
-              <a:rPr lang="zh-CN" altLang="en-US" b="1" dirty="0"/>
-              <a:t>操作、经济可行性</a:t>
-            </a:r>
-          </a:p>
-        </p:txBody>
-      </p:sp>
-      <p:sp>
-        <p:nvSpPr>
-          <p:cNvPr id="5" name="文本框 4"/>
-          <p:cNvSpPr txBox="1"/>
-          <p:nvPr/>
-        </p:nvSpPr>
-        <p:spPr>
-          <a:xfrm>
-            <a:off x="1219200" y="1378585"/>
-            <a:ext cx="9189720" cy="1188720"/>
-          </a:xfrm>
-          <a:prstGeom prst="rect">
-            <a:avLst/>
-          </a:prstGeom>
-        </p:spPr>
-        <p:style>
-          <a:lnRef idx="2">
-            <a:schemeClr val="dk1"/>
-          </a:lnRef>
-          <a:fillRef idx="1">
-            <a:schemeClr val="lt1"/>
-          </a:fillRef>
-          <a:effectRef idx="0">
-            <a:schemeClr val="dk1"/>
-          </a:effectRef>
-          <a:fontRef idx="minor">
-            <a:schemeClr val="dk1"/>
-          </a:fontRef>
-        </p:style>
-        <p:txBody>
-          <a:bodyPr wrap="square" rtlCol="0">
-            <a:spAutoFit/>
-          </a:bodyPr>
-          <a:lstStyle/>
-          <a:p>
-            <a:r>
-              <a:rPr lang="zh-CN" altLang="en-US"/>
-              <a:t>操作可行性：客户端采用图形化界面，操作简单，功能明确.</a:t>
-            </a:r>
-          </a:p>
-          <a:p>
-            <a:endParaRPr lang="zh-CN" altLang="en-US"/>
-          </a:p>
-          <a:p>
-            <a:r>
-              <a:rPr lang="zh-CN" altLang="en-US"/>
-              <a:t>经济可行性：</a:t>
-            </a:r>
-          </a:p>
-          <a:p>
-            <a:endParaRPr lang="zh-CN" altLang="en-US"/>
-          </a:p>
-        </p:txBody>
-      </p:sp>
-      <p:graphicFrame>
-        <p:nvGraphicFramePr>
-          <p:cNvPr id="2" name="表格 -1"/>
-          <p:cNvGraphicFramePr/>
-          <p:nvPr/>
-        </p:nvGraphicFramePr>
-        <p:xfrm>
-          <a:off x="1690370" y="2743200"/>
-          <a:ext cx="7425690" cy="3291849"/>
-        </p:xfrm>
-        <a:graphic>
-          <a:graphicData uri="http://schemas.openxmlformats.org/drawingml/2006/table">
-            <a:tbl>
-              <a:tblPr firstRow="1" bandRow="1">
-                <a:tableStyleId>{5940675A-B579-460E-94D1-54222C63F5DA}</a:tableStyleId>
-              </a:tblPr>
-              <a:tblGrid>
-                <a:gridCol w="2528570"/>
-                <a:gridCol w="2340610"/>
-                <a:gridCol w="2556510"/>
-              </a:tblGrid>
-              <a:tr h="351155">
-                <a:tc>
-                  <a:txBody>
-                    <a:bodyPr/>
-                    <a:lstStyle/>
-                    <a:p>
-                      <a:pPr marL="0" indent="0" algn="ctr">
-                        <a:buNone/>
-                      </a:pPr>
-                      <a:r>
-                        <a:rPr lang="zh-CN" altLang="en-US" sz="2400" b="0" u="none">
-                          <a:latin typeface="宋体" panose="02010600030101010101" pitchFamily="2" charset="-122"/>
-                          <a:ea typeface="宋体" panose="02010600030101010101" pitchFamily="2" charset="-122"/>
-                          <a:cs typeface="宋体" panose="02010600030101010101" pitchFamily="2" charset="-122"/>
-                        </a:rPr>
-                        <a:t>成本名称</a:t>
-                      </a:r>
-                    </a:p>
-                  </a:txBody>
-                  <a:tcPr marL="0" marR="0" marT="0" marB="1">
-                    <a:lnL w="12700" cap="flat" cmpd="sng">
-                      <a:solidFill>
-                        <a:srgbClr val="080000"/>
-                      </a:solidFill>
-                      <a:prstDash val="solid"/>
-                      <a:headEnd type="none" w="med" len="med"/>
-                      <a:tailEnd type="none" w="med" len="med"/>
-                    </a:lnL>
-                    <a:lnR w="12700" cap="flat" cmpd="sng">
-                      <a:solidFill>
-                        <a:srgbClr val="080000"/>
-                      </a:solidFill>
-                      <a:prstDash val="solid"/>
-                      <a:headEnd type="none" w="med" len="med"/>
-                      <a:tailEnd type="none" w="med" len="med"/>
-                    </a:lnR>
-                    <a:lnT w="12700" cap="flat" cmpd="sng">
-                      <a:solidFill>
-                        <a:srgbClr val="080000"/>
-                      </a:solidFill>
-                      <a:prstDash val="solid"/>
-                      <a:headEnd type="none" w="med" len="med"/>
-                      <a:tailEnd type="none" w="med" len="med"/>
-                    </a:lnT>
-                    <a:lnB w="12700" cap="flat" cmpd="sng">
-                      <a:solidFill>
-                        <a:srgbClr val="080000"/>
-                      </a:solidFill>
-                      <a:prstDash val="solid"/>
-                      <a:headEnd type="none" w="med" len="med"/>
-                      <a:tailEnd type="none" w="med" len="med"/>
-                    </a:lnB>
-                    <a:lnTlToBr>
-                      <a:noFill/>
-                    </a:lnTlToBr>
-                    <a:lnBlToTr>
-                      <a:noFill/>
-                    </a:lnBlToTr>
-                    <a:noFill/>
-                  </a:tcPr>
-                </a:tc>
-                <a:tc>
-                  <a:txBody>
-                    <a:bodyPr/>
-                    <a:lstStyle/>
-                    <a:p>
-                      <a:pPr marL="0" indent="0" algn="ctr">
-                        <a:buNone/>
-                      </a:pPr>
-                      <a:r>
-                        <a:rPr lang="zh-CN" altLang="en-US" sz="2400" b="0" u="none">
-                          <a:latin typeface="宋体" panose="02010600030101010101" pitchFamily="2" charset="-122"/>
-                          <a:ea typeface="宋体" panose="02010600030101010101" pitchFamily="2" charset="-122"/>
-                          <a:cs typeface="宋体" panose="02010600030101010101" pitchFamily="2" charset="-122"/>
-                        </a:rPr>
-                        <a:t>费用</a:t>
-                      </a:r>
-                    </a:p>
-                  </a:txBody>
-                  <a:tcPr marL="0" marR="0" marT="0" marB="1">
-                    <a:lnL w="12700" cap="flat" cmpd="sng">
-                      <a:solidFill>
-                        <a:srgbClr val="080000"/>
-                      </a:solidFill>
-                      <a:prstDash val="solid"/>
-                      <a:headEnd type="none" w="med" len="med"/>
-                      <a:tailEnd type="none" w="med" len="med"/>
-                    </a:lnL>
-                    <a:lnR w="9525" cap="flat" cmpd="sng">
-                      <a:solidFill>
-                        <a:srgbClr val="000000"/>
-                      </a:solidFill>
-                      <a:prstDash val="solid"/>
-                      <a:headEnd type="none" w="med" len="med"/>
-                      <a:tailEnd type="none" w="med" len="med"/>
-                    </a:lnR>
-                    <a:lnT w="12700" cap="flat" cmpd="sng">
-                      <a:solidFill>
-                        <a:srgbClr val="080000"/>
-                      </a:solidFill>
-                      <a:prstDash val="solid"/>
-                      <a:headEnd type="none" w="med" len="med"/>
-                      <a:tailEnd type="none" w="med" len="med"/>
-                    </a:lnT>
-                    <a:lnB w="12700" cap="flat" cmpd="sng">
-                      <a:solidFill>
-                        <a:srgbClr val="080000"/>
-                      </a:solidFill>
-                      <a:prstDash val="solid"/>
-                      <a:headEnd type="none" w="med" len="med"/>
-                      <a:tailEnd type="none" w="med" len="med"/>
-                    </a:lnB>
-                    <a:lnTlToBr>
-                      <a:noFill/>
-                    </a:lnTlToBr>
-                    <a:lnBlToTr>
-                      <a:noFill/>
-                    </a:lnBlToTr>
-                    <a:noFill/>
-                  </a:tcPr>
-                </a:tc>
-                <a:tc>
-                  <a:txBody>
-                    <a:bodyPr/>
-                    <a:lstStyle/>
-                    <a:p>
-                      <a:pPr marL="0" indent="0" algn="ctr">
-                        <a:buNone/>
-                      </a:pPr>
-                      <a:r>
-                        <a:rPr lang="zh-CN" altLang="en-US" sz="2400" b="0" u="none">
-                          <a:latin typeface="宋体" panose="02010600030101010101" pitchFamily="2" charset="-122"/>
-                          <a:ea typeface="宋体" panose="02010600030101010101" pitchFamily="2" charset="-122"/>
-                          <a:cs typeface="宋体" panose="02010600030101010101" pitchFamily="2" charset="-122"/>
-                        </a:rPr>
-                        <a:t>预算</a:t>
-                      </a:r>
-                    </a:p>
-                  </a:txBody>
-                  <a:tcPr marL="0" marR="0" marT="0" marB="1">
-                    <a:lnL w="9525" cap="flat" cmpd="sng">
-                      <a:solidFill>
-                        <a:srgbClr val="000000"/>
-                      </a:solidFill>
-                      <a:prstDash val="solid"/>
-                      <a:headEnd type="none" w="med" len="med"/>
-                      <a:tailEnd type="none" w="med" len="med"/>
-                    </a:lnL>
-                    <a:lnR w="9525" cap="flat" cmpd="sng">
-                      <a:solidFill>
-                        <a:srgbClr val="000000"/>
-                      </a:solidFill>
-                      <a:prstDash val="solid"/>
-                      <a:headEnd type="none" w="med" len="med"/>
-                      <a:tailEnd type="none" w="med" len="med"/>
-                    </a:lnR>
-                    <a:lnT w="12700" cap="flat" cmpd="sng">
-                      <a:solidFill>
-                        <a:srgbClr val="080000"/>
-                      </a:solidFill>
-                      <a:prstDash val="solid"/>
-                      <a:headEnd type="none" w="med" len="med"/>
-                      <a:tailEnd type="none" w="med" len="med"/>
-                    </a:lnT>
-                    <a:lnB w="12700" cap="flat" cmpd="sng">
-                      <a:solidFill>
-                        <a:srgbClr val="080000"/>
-                      </a:solidFill>
-                      <a:prstDash val="solid"/>
-                      <a:headEnd type="none" w="med" len="med"/>
-                      <a:tailEnd type="none" w="med" len="med"/>
-                    </a:lnB>
-                    <a:lnTlToBr>
-                      <a:noFill/>
-                    </a:lnTlToBr>
-                    <a:lnBlToTr>
-                      <a:noFill/>
-                    </a:lnBlToTr>
-                    <a:noFill/>
-                  </a:tcPr>
-                </a:tc>
-              </a:tr>
-              <a:tr h="352425">
-                <a:tc>
-                  <a:txBody>
-                    <a:bodyPr/>
-                    <a:lstStyle/>
-                    <a:p>
-                      <a:pPr marL="0" indent="0" algn="ctr">
-                        <a:buNone/>
-                      </a:pPr>
-                      <a:r>
-                        <a:rPr lang="zh-CN" altLang="en-US" sz="2400" b="0" u="none">
-                          <a:latin typeface="宋体" panose="02010600030101010101" pitchFamily="2" charset="-122"/>
-                          <a:ea typeface="宋体" panose="02010600030101010101" pitchFamily="2" charset="-122"/>
-                          <a:cs typeface="宋体" panose="02010600030101010101" pitchFamily="2" charset="-122"/>
-                        </a:rPr>
-                        <a:t>域名</a:t>
-                      </a:r>
-                    </a:p>
-                  </a:txBody>
-                  <a:tcPr marL="0" marR="0" marT="0" marB="1">
-                    <a:lnL w="12700" cap="flat" cmpd="sng">
-                      <a:solidFill>
-                        <a:srgbClr val="080000"/>
-                      </a:solidFill>
-                      <a:prstDash val="solid"/>
-                      <a:headEnd type="none" w="med" len="med"/>
-                      <a:tailEnd type="none" w="med" len="med"/>
-                    </a:lnL>
-                    <a:lnR w="12700" cap="flat" cmpd="sng">
-                      <a:solidFill>
-                        <a:srgbClr val="080000"/>
-                      </a:solidFill>
-                      <a:prstDash val="solid"/>
-                      <a:headEnd type="none" w="med" len="med"/>
-                      <a:tailEnd type="none" w="med" len="med"/>
-                    </a:lnR>
-                    <a:lnT w="12700" cap="flat" cmpd="sng">
-                      <a:solidFill>
-                        <a:srgbClr val="080000"/>
-                      </a:solidFill>
-                      <a:prstDash val="solid"/>
-                      <a:headEnd type="none" w="med" len="med"/>
-                      <a:tailEnd type="none" w="med" len="med"/>
-                    </a:lnT>
-                    <a:lnB w="12700" cap="flat" cmpd="sng">
-                      <a:solidFill>
-                        <a:srgbClr val="080000"/>
-                      </a:solidFill>
-                      <a:prstDash val="solid"/>
-                      <a:headEnd type="none" w="med" len="med"/>
-                      <a:tailEnd type="none" w="med" len="med"/>
-                    </a:lnB>
-                    <a:lnTlToBr>
-                      <a:noFill/>
-                    </a:lnTlToBr>
-                    <a:lnBlToTr>
-                      <a:noFill/>
-                    </a:lnBlToTr>
-                    <a:noFill/>
-                  </a:tcPr>
-                </a:tc>
-                <a:tc>
-                  <a:txBody>
-                    <a:bodyPr/>
-                    <a:lstStyle/>
-                    <a:p>
-                      <a:pPr marL="0" indent="0" algn="ctr">
-                        <a:buNone/>
-                      </a:pPr>
-                      <a:r>
-                        <a:rPr lang="en-US" altLang="zh-CN" sz="2400" b="0" u="none" dirty="0">
-                          <a:latin typeface="宋体" panose="02010600030101010101" pitchFamily="2" charset="-122"/>
-                          <a:ea typeface="宋体" panose="02010600030101010101" pitchFamily="2" charset="-122"/>
-                          <a:cs typeface="宋体" panose="02010600030101010101" pitchFamily="2" charset="-122"/>
-                        </a:rPr>
-                        <a:t>100</a:t>
-                      </a:r>
-                      <a:r>
-                        <a:rPr lang="zh-CN" altLang="en-US" sz="2400" b="0" u="none">
-                          <a:latin typeface="宋体" panose="02010600030101010101" pitchFamily="2" charset="-122"/>
-                          <a:ea typeface="宋体" panose="02010600030101010101" pitchFamily="2" charset="-122"/>
-                          <a:cs typeface="宋体" panose="02010600030101010101" pitchFamily="2" charset="-122"/>
-                        </a:rPr>
-                        <a:t>元</a:t>
-                      </a:r>
-                    </a:p>
-                  </a:txBody>
-                  <a:tcPr marL="0" marR="0" marT="0" marB="1">
-                    <a:lnL w="12700" cap="flat" cmpd="sng">
-                      <a:solidFill>
-                        <a:srgbClr val="080000"/>
-                      </a:solidFill>
-                      <a:prstDash val="solid"/>
-                      <a:headEnd type="none" w="med" len="med"/>
-                      <a:tailEnd type="none" w="med" len="med"/>
-                    </a:lnL>
-                    <a:lnR w="9525" cap="flat" cmpd="sng">
-                      <a:solidFill>
-                        <a:srgbClr val="000000"/>
-                      </a:solidFill>
-                      <a:prstDash val="solid"/>
-                      <a:headEnd type="none" w="med" len="med"/>
-                      <a:tailEnd type="none" w="med" len="med"/>
-                    </a:lnR>
-                    <a:lnT w="12700" cap="flat" cmpd="sng">
-                      <a:solidFill>
-                        <a:srgbClr val="080000"/>
-                      </a:solidFill>
-                      <a:prstDash val="solid"/>
-                      <a:headEnd type="none" w="med" len="med"/>
-                      <a:tailEnd type="none" w="med" len="med"/>
-                    </a:lnT>
-                    <a:lnB w="12700" cap="flat" cmpd="sng">
-                      <a:solidFill>
-                        <a:srgbClr val="080000"/>
-                      </a:solidFill>
-                      <a:prstDash val="solid"/>
-                      <a:headEnd type="none" w="med" len="med"/>
-                      <a:tailEnd type="none" w="med" len="med"/>
-                    </a:lnB>
-                    <a:lnTlToBr>
-                      <a:noFill/>
-                    </a:lnTlToBr>
-                    <a:lnBlToTr>
-                      <a:noFill/>
-                    </a:lnBlToTr>
-                    <a:noFill/>
-                  </a:tcPr>
-                </a:tc>
-                <a:tc>
-                  <a:txBody>
-                    <a:bodyPr/>
-                    <a:lstStyle/>
-                    <a:p>
-                      <a:pPr marL="0" indent="0" algn="ctr">
-                        <a:buNone/>
-                      </a:pPr>
-                      <a:r>
-                        <a:rPr lang="en-US" altLang="zh-CN" sz="2400" b="0" u="none" dirty="0">
-                          <a:latin typeface="宋体" panose="02010600030101010101" pitchFamily="2" charset="-122"/>
-                          <a:ea typeface="宋体" panose="02010600030101010101" pitchFamily="2" charset="-122"/>
-                          <a:cs typeface="宋体" panose="02010600030101010101" pitchFamily="2" charset="-122"/>
-                        </a:rPr>
-                        <a:t>100</a:t>
-                      </a:r>
-                      <a:r>
-                        <a:rPr lang="zh-CN" altLang="en-US" sz="2400" b="0" u="none">
-                          <a:latin typeface="宋体" panose="02010600030101010101" pitchFamily="2" charset="-122"/>
-                          <a:ea typeface="宋体" panose="02010600030101010101" pitchFamily="2" charset="-122"/>
-                          <a:cs typeface="宋体" panose="02010600030101010101" pitchFamily="2" charset="-122"/>
-                        </a:rPr>
-                        <a:t>元</a:t>
-                      </a:r>
-                    </a:p>
-                  </a:txBody>
-                  <a:tcPr marL="0" marR="0" marT="0" marB="1">
-                    <a:lnL w="9525" cap="flat" cmpd="sng">
-                      <a:solidFill>
-                        <a:srgbClr val="000000"/>
-                      </a:solidFill>
-                      <a:prstDash val="solid"/>
-                      <a:headEnd type="none" w="med" len="med"/>
-                      <a:tailEnd type="none" w="med" len="med"/>
-                    </a:lnL>
-                    <a:lnR w="9525" cap="flat" cmpd="sng">
-                      <a:solidFill>
-                        <a:srgbClr val="000000"/>
-                      </a:solidFill>
-                      <a:prstDash val="solid"/>
-                      <a:headEnd type="none" w="med" len="med"/>
-                      <a:tailEnd type="none" w="med" len="med"/>
-                    </a:lnR>
-                    <a:lnT w="12700" cap="flat" cmpd="sng">
-                      <a:solidFill>
-                        <a:srgbClr val="080000"/>
-                      </a:solidFill>
-                      <a:prstDash val="solid"/>
-                      <a:headEnd type="none" w="med" len="med"/>
-                      <a:tailEnd type="none" w="med" len="med"/>
-                    </a:lnT>
-                    <a:lnB w="12700" cap="flat" cmpd="sng">
-                      <a:solidFill>
-                        <a:srgbClr val="080000"/>
-                      </a:solidFill>
-                      <a:prstDash val="solid"/>
-                      <a:headEnd type="none" w="med" len="med"/>
-                      <a:tailEnd type="none" w="med" len="med"/>
-                    </a:lnB>
-                    <a:lnTlToBr>
-                      <a:noFill/>
-                    </a:lnTlToBr>
-                    <a:lnBlToTr>
-                      <a:noFill/>
-                    </a:lnBlToTr>
-                    <a:noFill/>
-                  </a:tcPr>
-                </a:tc>
-              </a:tr>
-              <a:tr h="351790">
-                <a:tc>
-                  <a:txBody>
-                    <a:bodyPr/>
-                    <a:lstStyle/>
-                    <a:p>
-                      <a:pPr marL="0" indent="0" algn="ctr">
-                        <a:buNone/>
-                      </a:pPr>
-                      <a:r>
-                        <a:rPr lang="zh-CN" altLang="en-US" sz="2400" b="0" u="none">
-                          <a:latin typeface="宋体" panose="02010600030101010101" pitchFamily="2" charset="-122"/>
-                          <a:ea typeface="宋体" panose="02010600030101010101" pitchFamily="2" charset="-122"/>
-                          <a:cs typeface="宋体" panose="02010600030101010101" pitchFamily="2" charset="-122"/>
-                        </a:rPr>
-                        <a:t>服务器</a:t>
-                      </a:r>
-                    </a:p>
-                  </a:txBody>
-                  <a:tcPr marL="0" marR="0" marT="0" marB="1">
-                    <a:lnL w="12700" cap="flat" cmpd="sng">
-                      <a:solidFill>
-                        <a:srgbClr val="080000"/>
-                      </a:solidFill>
-                      <a:prstDash val="solid"/>
-                      <a:headEnd type="none" w="med" len="med"/>
-                      <a:tailEnd type="none" w="med" len="med"/>
-                    </a:lnL>
-                    <a:lnR w="12700" cap="flat" cmpd="sng">
-                      <a:solidFill>
-                        <a:srgbClr val="080000"/>
-                      </a:solidFill>
-                      <a:prstDash val="solid"/>
-                      <a:headEnd type="none" w="med" len="med"/>
-                      <a:tailEnd type="none" w="med" len="med"/>
-                    </a:lnR>
-                    <a:lnT w="12700" cap="flat" cmpd="sng">
-                      <a:solidFill>
-                        <a:srgbClr val="080000"/>
-                      </a:solidFill>
-                      <a:prstDash val="solid"/>
-                      <a:headEnd type="none" w="med" len="med"/>
-                      <a:tailEnd type="none" w="med" len="med"/>
-                    </a:lnT>
-                    <a:lnB w="12700" cap="flat" cmpd="sng">
-                      <a:solidFill>
-                        <a:srgbClr val="080000"/>
-                      </a:solidFill>
-                      <a:prstDash val="solid"/>
-                      <a:headEnd type="none" w="med" len="med"/>
-                      <a:tailEnd type="none" w="med" len="med"/>
-                    </a:lnB>
-                    <a:lnTlToBr>
-                      <a:noFill/>
-                    </a:lnTlToBr>
-                    <a:lnBlToTr>
-                      <a:noFill/>
-                    </a:lnBlToTr>
-                    <a:noFill/>
-                  </a:tcPr>
-                </a:tc>
-                <a:tc>
-                  <a:txBody>
-                    <a:bodyPr/>
-                    <a:lstStyle/>
-                    <a:p>
-                      <a:pPr marL="0" indent="0" algn="ctr">
-                        <a:buNone/>
-                      </a:pPr>
-                      <a:r>
-                        <a:rPr lang="en-US" altLang="zh-CN" sz="2400" b="0" u="none" dirty="0">
-                          <a:latin typeface="宋体" panose="02010600030101010101" pitchFamily="2" charset="-122"/>
-                          <a:ea typeface="宋体" panose="02010600030101010101" pitchFamily="2" charset="-122"/>
-                          <a:cs typeface="宋体" panose="02010600030101010101" pitchFamily="2" charset="-122"/>
-                        </a:rPr>
-                        <a:t>5100</a:t>
-                      </a:r>
-                      <a:r>
-                        <a:rPr lang="zh-CN" altLang="en-US" sz="2400" b="0" u="none">
-                          <a:latin typeface="宋体" panose="02010600030101010101" pitchFamily="2" charset="-122"/>
-                          <a:ea typeface="宋体" panose="02010600030101010101" pitchFamily="2" charset="-122"/>
-                          <a:cs typeface="宋体" panose="02010600030101010101" pitchFamily="2" charset="-122"/>
-                        </a:rPr>
-                        <a:t>元</a:t>
-                      </a:r>
-                    </a:p>
-                  </a:txBody>
-                  <a:tcPr marL="0" marR="0" marT="0" marB="1">
-                    <a:lnL w="12700" cap="flat" cmpd="sng">
-                      <a:solidFill>
-                        <a:srgbClr val="080000"/>
-                      </a:solidFill>
-                      <a:prstDash val="solid"/>
-                      <a:headEnd type="none" w="med" len="med"/>
-                      <a:tailEnd type="none" w="med" len="med"/>
-                    </a:lnL>
-                    <a:lnR w="9525" cap="flat" cmpd="sng">
-                      <a:solidFill>
-                        <a:srgbClr val="000000"/>
-                      </a:solidFill>
-                      <a:prstDash val="solid"/>
-                      <a:headEnd type="none" w="med" len="med"/>
-                      <a:tailEnd type="none" w="med" len="med"/>
-                    </a:lnR>
-                    <a:lnT w="12700" cap="flat" cmpd="sng">
-                      <a:solidFill>
-                        <a:srgbClr val="080000"/>
-                      </a:solidFill>
-                      <a:prstDash val="solid"/>
-                      <a:headEnd type="none" w="med" len="med"/>
-                      <a:tailEnd type="none" w="med" len="med"/>
-                    </a:lnT>
-                    <a:lnB w="12700" cap="flat" cmpd="sng">
-                      <a:solidFill>
-                        <a:srgbClr val="080000"/>
-                      </a:solidFill>
-                      <a:prstDash val="solid"/>
-                      <a:headEnd type="none" w="med" len="med"/>
-                      <a:tailEnd type="none" w="med" len="med"/>
-                    </a:lnB>
-                    <a:lnTlToBr>
-                      <a:noFill/>
-                    </a:lnTlToBr>
-                    <a:lnBlToTr>
-                      <a:noFill/>
-                    </a:lnBlToTr>
-                    <a:noFill/>
-                  </a:tcPr>
-                </a:tc>
-                <a:tc>
-                  <a:txBody>
-                    <a:bodyPr/>
-                    <a:lstStyle/>
-                    <a:p>
-                      <a:pPr marL="0" indent="0" algn="ctr">
-                        <a:buNone/>
-                      </a:pPr>
-                      <a:r>
-                        <a:rPr lang="en-US" altLang="zh-CN" sz="2400" b="0" u="none" dirty="0">
-                          <a:latin typeface="宋体" panose="02010600030101010101" pitchFamily="2" charset="-122"/>
-                          <a:ea typeface="宋体" panose="02010600030101010101" pitchFamily="2" charset="-122"/>
-                          <a:cs typeface="宋体" panose="02010600030101010101" pitchFamily="2" charset="-122"/>
-                        </a:rPr>
-                        <a:t>6000</a:t>
-                      </a:r>
-                      <a:r>
-                        <a:rPr lang="zh-CN" altLang="en-US" sz="2400" b="0" u="none">
-                          <a:latin typeface="宋体" panose="02010600030101010101" pitchFamily="2" charset="-122"/>
-                          <a:ea typeface="宋体" panose="02010600030101010101" pitchFamily="2" charset="-122"/>
-                          <a:cs typeface="宋体" panose="02010600030101010101" pitchFamily="2" charset="-122"/>
-                        </a:rPr>
-                        <a:t>元</a:t>
-                      </a:r>
-                    </a:p>
-                  </a:txBody>
-                  <a:tcPr marL="0" marR="0" marT="0" marB="1">
-                    <a:lnL w="9525" cap="flat" cmpd="sng">
-                      <a:solidFill>
-                        <a:srgbClr val="000000"/>
-                      </a:solidFill>
-                      <a:prstDash val="solid"/>
-                      <a:headEnd type="none" w="med" len="med"/>
-                      <a:tailEnd type="none" w="med" len="med"/>
-                    </a:lnL>
-                    <a:lnR w="9525" cap="flat" cmpd="sng">
-                      <a:solidFill>
-                        <a:srgbClr val="000000"/>
-                      </a:solidFill>
-                      <a:prstDash val="solid"/>
-                      <a:headEnd type="none" w="med" len="med"/>
-                      <a:tailEnd type="none" w="med" len="med"/>
-                    </a:lnR>
-                    <a:lnT w="12700" cap="flat" cmpd="sng">
-                      <a:solidFill>
-                        <a:srgbClr val="080000"/>
-                      </a:solidFill>
-                      <a:prstDash val="solid"/>
-                      <a:headEnd type="none" w="med" len="med"/>
-                      <a:tailEnd type="none" w="med" len="med"/>
-                    </a:lnT>
-                    <a:lnB w="12700" cap="flat" cmpd="sng">
-                      <a:solidFill>
-                        <a:srgbClr val="080000"/>
-                      </a:solidFill>
-                      <a:prstDash val="solid"/>
-                      <a:headEnd type="none" w="med" len="med"/>
-                      <a:tailEnd type="none" w="med" len="med"/>
-                    </a:lnB>
-                    <a:lnTlToBr>
-                      <a:noFill/>
-                    </a:lnTlToBr>
-                    <a:lnBlToTr>
-                      <a:noFill/>
-                    </a:lnBlToTr>
-                    <a:noFill/>
-                  </a:tcPr>
-                </a:tc>
-              </a:tr>
-              <a:tr h="351155">
-                <a:tc>
-                  <a:txBody>
-                    <a:bodyPr/>
-                    <a:lstStyle/>
-                    <a:p>
-                      <a:pPr marL="0" indent="0" algn="ctr">
-                        <a:buNone/>
-                      </a:pPr>
-                      <a:r>
-                        <a:rPr lang="zh-CN" altLang="en-US" sz="2400" b="0" u="none">
-                          <a:latin typeface="宋体" panose="02010600030101010101" pitchFamily="2" charset="-122"/>
-                          <a:ea typeface="宋体" panose="02010600030101010101" pitchFamily="2" charset="-122"/>
-                          <a:cs typeface="宋体" panose="02010600030101010101" pitchFamily="2" charset="-122"/>
-                        </a:rPr>
-                        <a:t>数据库系统</a:t>
-                      </a:r>
-                    </a:p>
-                  </a:txBody>
-                  <a:tcPr marL="0" marR="0" marT="0" marB="1">
-                    <a:lnL w="12700" cap="flat" cmpd="sng">
-                      <a:solidFill>
-                        <a:srgbClr val="080000"/>
-                      </a:solidFill>
-                      <a:prstDash val="solid"/>
-                      <a:headEnd type="none" w="med" len="med"/>
-                      <a:tailEnd type="none" w="med" len="med"/>
-                    </a:lnL>
-                    <a:lnR w="12700" cap="flat" cmpd="sng">
-                      <a:solidFill>
-                        <a:srgbClr val="080000"/>
-                      </a:solidFill>
-                      <a:prstDash val="solid"/>
-                      <a:headEnd type="none" w="med" len="med"/>
-                      <a:tailEnd type="none" w="med" len="med"/>
-                    </a:lnR>
-                    <a:lnT w="12700" cap="flat" cmpd="sng">
-                      <a:solidFill>
-                        <a:srgbClr val="080000"/>
-                      </a:solidFill>
-                      <a:prstDash val="solid"/>
-                      <a:headEnd type="none" w="med" len="med"/>
-                      <a:tailEnd type="none" w="med" len="med"/>
-                    </a:lnT>
-                    <a:lnB w="12700" cap="flat" cmpd="sng">
-                      <a:solidFill>
-                        <a:srgbClr val="080000"/>
-                      </a:solidFill>
-                      <a:prstDash val="solid"/>
-                      <a:headEnd type="none" w="med" len="med"/>
-                      <a:tailEnd type="none" w="med" len="med"/>
-                    </a:lnB>
-                    <a:lnTlToBr>
-                      <a:noFill/>
-                    </a:lnTlToBr>
-                    <a:lnBlToTr>
-                      <a:noFill/>
-                    </a:lnBlToTr>
-                    <a:noFill/>
-                  </a:tcPr>
-                </a:tc>
-                <a:tc>
-                  <a:txBody>
-                    <a:bodyPr/>
-                    <a:lstStyle/>
-                    <a:p>
-                      <a:pPr marL="0" indent="0" algn="ctr">
-                        <a:buNone/>
-                      </a:pPr>
-                      <a:r>
-                        <a:rPr lang="en-US" altLang="zh-CN" sz="2400" b="0" u="none" dirty="0">
-                          <a:latin typeface="宋体" panose="02010600030101010101" pitchFamily="2" charset="-122"/>
-                          <a:ea typeface="宋体" panose="02010600030101010101" pitchFamily="2" charset="-122"/>
-                          <a:cs typeface="宋体" panose="02010600030101010101" pitchFamily="2" charset="-122"/>
-                        </a:rPr>
-                        <a:t>1000</a:t>
-                      </a:r>
-                      <a:r>
-                        <a:rPr lang="zh-CN" altLang="en-US" sz="2400" b="0" u="none">
-                          <a:latin typeface="宋体" panose="02010600030101010101" pitchFamily="2" charset="-122"/>
-                          <a:ea typeface="宋体" panose="02010600030101010101" pitchFamily="2" charset="-122"/>
-                          <a:cs typeface="宋体" panose="02010600030101010101" pitchFamily="2" charset="-122"/>
-                        </a:rPr>
-                        <a:t>元</a:t>
-                      </a:r>
-                    </a:p>
-                  </a:txBody>
-                  <a:tcPr marL="0" marR="0" marT="0" marB="1">
-                    <a:lnL w="12700" cap="flat" cmpd="sng">
-                      <a:solidFill>
-                        <a:srgbClr val="080000"/>
-                      </a:solidFill>
-                      <a:prstDash val="solid"/>
-                      <a:headEnd type="none" w="med" len="med"/>
-                      <a:tailEnd type="none" w="med" len="med"/>
-                    </a:lnL>
-                    <a:lnR w="9525" cap="flat" cmpd="sng">
-                      <a:solidFill>
-                        <a:srgbClr val="000000"/>
-                      </a:solidFill>
-                      <a:prstDash val="solid"/>
-                      <a:headEnd type="none" w="med" len="med"/>
-                      <a:tailEnd type="none" w="med" len="med"/>
-                    </a:lnR>
-                    <a:lnT w="12700" cap="flat" cmpd="sng">
-                      <a:solidFill>
-                        <a:srgbClr val="080000"/>
-                      </a:solidFill>
-                      <a:prstDash val="solid"/>
-                      <a:headEnd type="none" w="med" len="med"/>
-                      <a:tailEnd type="none" w="med" len="med"/>
-                    </a:lnT>
-                    <a:lnB w="12700" cap="flat" cmpd="sng">
-                      <a:solidFill>
-                        <a:srgbClr val="080000"/>
-                      </a:solidFill>
-                      <a:prstDash val="solid"/>
-                      <a:headEnd type="none" w="med" len="med"/>
-                      <a:tailEnd type="none" w="med" len="med"/>
-                    </a:lnB>
-                    <a:lnTlToBr>
-                      <a:noFill/>
-                    </a:lnTlToBr>
-                    <a:lnBlToTr>
-                      <a:noFill/>
-                    </a:lnBlToTr>
-                    <a:noFill/>
-                  </a:tcPr>
-                </a:tc>
-                <a:tc>
-                  <a:txBody>
-                    <a:bodyPr/>
-                    <a:lstStyle/>
-                    <a:p>
-                      <a:pPr marL="0" indent="0" algn="ctr">
-                        <a:buNone/>
-                      </a:pPr>
-                      <a:r>
-                        <a:rPr lang="en-US" altLang="zh-CN" sz="2400" b="0" u="none" dirty="0">
-                          <a:latin typeface="宋体" panose="02010600030101010101" pitchFamily="2" charset="-122"/>
-                          <a:ea typeface="宋体" panose="02010600030101010101" pitchFamily="2" charset="-122"/>
-                          <a:cs typeface="宋体" panose="02010600030101010101" pitchFamily="2" charset="-122"/>
-                        </a:rPr>
-                        <a:t>1000</a:t>
-                      </a:r>
-                      <a:r>
-                        <a:rPr lang="zh-CN" altLang="en-US" sz="2400" b="0" u="none">
-                          <a:latin typeface="宋体" panose="02010600030101010101" pitchFamily="2" charset="-122"/>
-                          <a:ea typeface="宋体" panose="02010600030101010101" pitchFamily="2" charset="-122"/>
-                          <a:cs typeface="宋体" panose="02010600030101010101" pitchFamily="2" charset="-122"/>
-                        </a:rPr>
-                        <a:t>元</a:t>
-                      </a:r>
-                    </a:p>
-                  </a:txBody>
-                  <a:tcPr marL="0" marR="0" marT="0" marB="1">
-                    <a:lnL w="9525" cap="flat" cmpd="sng">
-                      <a:solidFill>
-                        <a:srgbClr val="000000"/>
-                      </a:solidFill>
-                      <a:prstDash val="solid"/>
-                      <a:headEnd type="none" w="med" len="med"/>
-                      <a:tailEnd type="none" w="med" len="med"/>
-                    </a:lnL>
-                    <a:lnR w="9525" cap="flat" cmpd="sng">
-                      <a:solidFill>
-                        <a:srgbClr val="000000"/>
-                      </a:solidFill>
-                      <a:prstDash val="solid"/>
-                      <a:headEnd type="none" w="med" len="med"/>
-                      <a:tailEnd type="none" w="med" len="med"/>
-                    </a:lnR>
-                    <a:lnT w="12700" cap="flat" cmpd="sng">
-                      <a:solidFill>
-                        <a:srgbClr val="080000"/>
-                      </a:solidFill>
-                      <a:prstDash val="solid"/>
-                      <a:headEnd type="none" w="med" len="med"/>
-                      <a:tailEnd type="none" w="med" len="med"/>
-                    </a:lnT>
-                    <a:lnB w="12700" cap="flat" cmpd="sng">
-                      <a:solidFill>
-                        <a:srgbClr val="080000"/>
-                      </a:solidFill>
-                      <a:prstDash val="solid"/>
-                      <a:headEnd type="none" w="med" len="med"/>
-                      <a:tailEnd type="none" w="med" len="med"/>
-                    </a:lnB>
-                    <a:lnTlToBr>
-                      <a:noFill/>
-                    </a:lnTlToBr>
-                    <a:lnBlToTr>
-                      <a:noFill/>
-                    </a:lnBlToTr>
-                    <a:noFill/>
-                  </a:tcPr>
-                </a:tc>
-              </a:tr>
-              <a:tr h="352425">
-                <a:tc>
-                  <a:txBody>
-                    <a:bodyPr/>
-                    <a:lstStyle/>
-                    <a:p>
-                      <a:pPr marL="0" indent="0" algn="ctr">
-                        <a:buNone/>
-                      </a:pPr>
-                      <a:r>
-                        <a:rPr lang="zh-CN" altLang="en-US" sz="2400" b="0" u="none">
-                          <a:latin typeface="宋体" panose="02010600030101010101" pitchFamily="2" charset="-122"/>
-                          <a:ea typeface="宋体" panose="02010600030101010101" pitchFamily="2" charset="-122"/>
-                          <a:cs typeface="宋体" panose="02010600030101010101" pitchFamily="2" charset="-122"/>
-                        </a:rPr>
-                        <a:t>采购书籍</a:t>
-                      </a:r>
-                    </a:p>
-                  </a:txBody>
-                  <a:tcPr marL="0" marR="0" marT="0" marB="1">
-                    <a:lnL w="12700" cap="flat" cmpd="sng">
-                      <a:solidFill>
-                        <a:srgbClr val="080000"/>
-                      </a:solidFill>
-                      <a:prstDash val="solid"/>
-                      <a:headEnd type="none" w="med" len="med"/>
-                      <a:tailEnd type="none" w="med" len="med"/>
-                    </a:lnL>
-                    <a:lnR w="12700" cap="flat" cmpd="sng">
-                      <a:solidFill>
-                        <a:srgbClr val="080000"/>
-                      </a:solidFill>
-                      <a:prstDash val="solid"/>
-                      <a:headEnd type="none" w="med" len="med"/>
-                      <a:tailEnd type="none" w="med" len="med"/>
-                    </a:lnR>
-                    <a:lnT w="12700" cap="flat" cmpd="sng">
-                      <a:solidFill>
-                        <a:srgbClr val="080000"/>
-                      </a:solidFill>
-                      <a:prstDash val="solid"/>
-                      <a:headEnd type="none" w="med" len="med"/>
-                      <a:tailEnd type="none" w="med" len="med"/>
-                    </a:lnT>
-                    <a:lnB w="12700" cap="flat" cmpd="sng">
-                      <a:solidFill>
-                        <a:srgbClr val="080000"/>
-                      </a:solidFill>
-                      <a:prstDash val="solid"/>
-                      <a:headEnd type="none" w="med" len="med"/>
-                      <a:tailEnd type="none" w="med" len="med"/>
-                    </a:lnB>
-                    <a:lnTlToBr>
-                      <a:noFill/>
-                    </a:lnTlToBr>
-                    <a:lnBlToTr>
-                      <a:noFill/>
-                    </a:lnBlToTr>
-                    <a:noFill/>
-                  </a:tcPr>
-                </a:tc>
-                <a:tc>
-                  <a:txBody>
-                    <a:bodyPr/>
-                    <a:lstStyle/>
-                    <a:p>
-                      <a:pPr marL="0" indent="0" algn="ctr">
-                        <a:buNone/>
-                      </a:pPr>
-                      <a:r>
-                        <a:rPr lang="en-US" altLang="zh-CN" sz="2400" b="0" u="none" dirty="0">
-                          <a:latin typeface="宋体" panose="02010600030101010101" pitchFamily="2" charset="-122"/>
-                          <a:ea typeface="宋体" panose="02010600030101010101" pitchFamily="2" charset="-122"/>
-                          <a:cs typeface="宋体" panose="02010600030101010101" pitchFamily="2" charset="-122"/>
-                        </a:rPr>
-                        <a:t>500</a:t>
-                      </a:r>
-                      <a:r>
-                        <a:rPr lang="zh-CN" altLang="en-US" sz="2400" b="0" u="none">
-                          <a:latin typeface="宋体" panose="02010600030101010101" pitchFamily="2" charset="-122"/>
-                          <a:ea typeface="宋体" panose="02010600030101010101" pitchFamily="2" charset="-122"/>
-                          <a:cs typeface="宋体" panose="02010600030101010101" pitchFamily="2" charset="-122"/>
-                        </a:rPr>
-                        <a:t>元</a:t>
-                      </a:r>
-                    </a:p>
-                  </a:txBody>
-                  <a:tcPr marL="0" marR="0" marT="0" marB="1">
-                    <a:lnL w="12700" cap="flat" cmpd="sng">
-                      <a:solidFill>
-                        <a:srgbClr val="080000"/>
-                      </a:solidFill>
-                      <a:prstDash val="solid"/>
-                      <a:headEnd type="none" w="med" len="med"/>
-                      <a:tailEnd type="none" w="med" len="med"/>
-                    </a:lnL>
-                    <a:lnR w="9525" cap="flat" cmpd="sng">
-                      <a:solidFill>
-                        <a:srgbClr val="000000"/>
-                      </a:solidFill>
-                      <a:prstDash val="solid"/>
-                      <a:headEnd type="none" w="med" len="med"/>
-                      <a:tailEnd type="none" w="med" len="med"/>
-                    </a:lnR>
-                    <a:lnT w="12700" cap="flat" cmpd="sng">
-                      <a:solidFill>
-                        <a:srgbClr val="080000"/>
-                      </a:solidFill>
-                      <a:prstDash val="solid"/>
-                      <a:headEnd type="none" w="med" len="med"/>
-                      <a:tailEnd type="none" w="med" len="med"/>
-                    </a:lnT>
-                    <a:lnB w="12700" cap="flat" cmpd="sng">
-                      <a:solidFill>
-                        <a:srgbClr val="080000"/>
-                      </a:solidFill>
-                      <a:prstDash val="solid"/>
-                      <a:headEnd type="none" w="med" len="med"/>
-                      <a:tailEnd type="none" w="med" len="med"/>
-                    </a:lnB>
-                    <a:lnTlToBr>
-                      <a:noFill/>
-                    </a:lnTlToBr>
-                    <a:lnBlToTr>
-                      <a:noFill/>
-                    </a:lnBlToTr>
-                    <a:noFill/>
-                  </a:tcPr>
-                </a:tc>
-                <a:tc>
-                  <a:txBody>
-                    <a:bodyPr/>
-                    <a:lstStyle/>
-                    <a:p>
-                      <a:pPr marL="0" indent="0" algn="ctr">
-                        <a:buNone/>
-                      </a:pPr>
-                      <a:r>
-                        <a:rPr lang="en-US" altLang="zh-CN" sz="2400" b="0" u="none" dirty="0">
-                          <a:latin typeface="宋体" panose="02010600030101010101" pitchFamily="2" charset="-122"/>
-                          <a:ea typeface="宋体" panose="02010600030101010101" pitchFamily="2" charset="-122"/>
-                          <a:cs typeface="宋体" panose="02010600030101010101" pitchFamily="2" charset="-122"/>
-                        </a:rPr>
-                        <a:t>500</a:t>
-                      </a:r>
-                      <a:r>
-                        <a:rPr lang="zh-CN" altLang="en-US" sz="2400" b="0" u="none">
-                          <a:latin typeface="宋体" panose="02010600030101010101" pitchFamily="2" charset="-122"/>
-                          <a:ea typeface="宋体" panose="02010600030101010101" pitchFamily="2" charset="-122"/>
-                          <a:cs typeface="宋体" panose="02010600030101010101" pitchFamily="2" charset="-122"/>
-                        </a:rPr>
-                        <a:t>元</a:t>
-                      </a:r>
-                    </a:p>
-                  </a:txBody>
-                  <a:tcPr marL="0" marR="0" marT="0" marB="1">
-                    <a:lnL w="9525" cap="flat" cmpd="sng">
-                      <a:solidFill>
-                        <a:srgbClr val="000000"/>
-                      </a:solidFill>
-                      <a:prstDash val="solid"/>
-                      <a:headEnd type="none" w="med" len="med"/>
-                      <a:tailEnd type="none" w="med" len="med"/>
-                    </a:lnL>
-                    <a:lnR w="9525" cap="flat" cmpd="sng">
-                      <a:solidFill>
-                        <a:srgbClr val="000000"/>
-                      </a:solidFill>
-                      <a:prstDash val="solid"/>
-                      <a:headEnd type="none" w="med" len="med"/>
-                      <a:tailEnd type="none" w="med" len="med"/>
-                    </a:lnR>
-                    <a:lnT w="12700" cap="flat" cmpd="sng">
-                      <a:solidFill>
-                        <a:srgbClr val="080000"/>
-                      </a:solidFill>
-                      <a:prstDash val="solid"/>
-                      <a:headEnd type="none" w="med" len="med"/>
-                      <a:tailEnd type="none" w="med" len="med"/>
-                    </a:lnT>
-                    <a:lnB w="12700" cap="flat" cmpd="sng">
-                      <a:solidFill>
-                        <a:srgbClr val="080000"/>
-                      </a:solidFill>
-                      <a:prstDash val="solid"/>
-                      <a:headEnd type="none" w="med" len="med"/>
-                      <a:tailEnd type="none" w="med" len="med"/>
-                    </a:lnB>
-                    <a:lnTlToBr>
-                      <a:noFill/>
-                    </a:lnTlToBr>
-                    <a:lnBlToTr>
-                      <a:noFill/>
-                    </a:lnBlToTr>
-                    <a:noFill/>
-                  </a:tcPr>
-                </a:tc>
-              </a:tr>
-              <a:tr h="351155">
-                <a:tc>
-                  <a:txBody>
-                    <a:bodyPr/>
-                    <a:lstStyle/>
-                    <a:p>
-                      <a:pPr marL="0" indent="0" algn="ctr">
-                        <a:buNone/>
-                      </a:pPr>
-                      <a:r>
-                        <a:rPr lang="zh-CN" altLang="en-US" sz="2400" b="0" u="none">
-                          <a:latin typeface="宋体" panose="02010600030101010101" pitchFamily="2" charset="-122"/>
-                          <a:ea typeface="宋体" panose="02010600030101010101" pitchFamily="2" charset="-122"/>
-                          <a:cs typeface="宋体" panose="02010600030101010101" pitchFamily="2" charset="-122"/>
-                        </a:rPr>
-                        <a:t>网上学习</a:t>
-                      </a:r>
-                    </a:p>
-                  </a:txBody>
-                  <a:tcPr marL="0" marR="0" marT="0" marB="1">
-                    <a:lnL w="12700" cap="flat" cmpd="sng">
-                      <a:solidFill>
-                        <a:srgbClr val="080000"/>
-                      </a:solidFill>
-                      <a:prstDash val="solid"/>
-                      <a:headEnd type="none" w="med" len="med"/>
-                      <a:tailEnd type="none" w="med" len="med"/>
-                    </a:lnL>
-                    <a:lnR w="12700" cap="flat" cmpd="sng">
-                      <a:solidFill>
-                        <a:srgbClr val="080000"/>
-                      </a:solidFill>
-                      <a:prstDash val="solid"/>
-                      <a:headEnd type="none" w="med" len="med"/>
-                      <a:tailEnd type="none" w="med" len="med"/>
-                    </a:lnR>
-                    <a:lnT w="12700" cap="flat" cmpd="sng">
-                      <a:solidFill>
-                        <a:srgbClr val="080000"/>
-                      </a:solidFill>
-                      <a:prstDash val="solid"/>
-                      <a:headEnd type="none" w="med" len="med"/>
-                      <a:tailEnd type="none" w="med" len="med"/>
-                    </a:lnT>
-                    <a:lnB w="12700" cap="flat" cmpd="sng">
-                      <a:solidFill>
-                        <a:srgbClr val="080000"/>
-                      </a:solidFill>
-                      <a:prstDash val="solid"/>
-                      <a:headEnd type="none" w="med" len="med"/>
-                      <a:tailEnd type="none" w="med" len="med"/>
-                    </a:lnB>
-                    <a:lnTlToBr>
-                      <a:noFill/>
-                    </a:lnTlToBr>
-                    <a:lnBlToTr>
-                      <a:noFill/>
-                    </a:lnBlToTr>
-                    <a:noFill/>
-                  </a:tcPr>
-                </a:tc>
-                <a:tc>
-                  <a:txBody>
-                    <a:bodyPr/>
-                    <a:lstStyle/>
-                    <a:p>
-                      <a:pPr marL="0" indent="0" algn="ctr">
-                        <a:buNone/>
-                      </a:pPr>
-                      <a:r>
-                        <a:rPr lang="en-US" altLang="zh-CN" sz="2400" b="0" u="none" dirty="0">
-                          <a:latin typeface="宋体" panose="02010600030101010101" pitchFamily="2" charset="-122"/>
-                          <a:ea typeface="宋体" panose="02010600030101010101" pitchFamily="2" charset="-122"/>
-                          <a:cs typeface="宋体" panose="02010600030101010101" pitchFamily="2" charset="-122"/>
-                        </a:rPr>
-                        <a:t>150</a:t>
-                      </a:r>
-                      <a:r>
-                        <a:rPr lang="zh-CN" altLang="en-US" sz="2400" b="0" u="none">
-                          <a:latin typeface="宋体" panose="02010600030101010101" pitchFamily="2" charset="-122"/>
-                          <a:ea typeface="宋体" panose="02010600030101010101" pitchFamily="2" charset="-122"/>
-                          <a:cs typeface="宋体" panose="02010600030101010101" pitchFamily="2" charset="-122"/>
-                        </a:rPr>
-                        <a:t>元</a:t>
-                      </a:r>
-                    </a:p>
-                  </a:txBody>
-                  <a:tcPr marL="0" marR="0" marT="0" marB="1">
-                    <a:lnL w="12700" cap="flat" cmpd="sng">
-                      <a:solidFill>
-                        <a:srgbClr val="080000"/>
-                      </a:solidFill>
-                      <a:prstDash val="solid"/>
-                      <a:headEnd type="none" w="med" len="med"/>
-                      <a:tailEnd type="none" w="med" len="med"/>
-                    </a:lnL>
-                    <a:lnR w="9525" cap="flat" cmpd="sng">
-                      <a:solidFill>
-                        <a:srgbClr val="000000"/>
-                      </a:solidFill>
-                      <a:prstDash val="solid"/>
-                      <a:headEnd type="none" w="med" len="med"/>
-                      <a:tailEnd type="none" w="med" len="med"/>
-                    </a:lnR>
-                    <a:lnT w="12700" cap="flat" cmpd="sng">
-                      <a:solidFill>
-                        <a:srgbClr val="080000"/>
-                      </a:solidFill>
-                      <a:prstDash val="solid"/>
-                      <a:headEnd type="none" w="med" len="med"/>
-                      <a:tailEnd type="none" w="med" len="med"/>
-                    </a:lnT>
-                    <a:lnB w="12700" cap="flat" cmpd="sng">
-                      <a:solidFill>
-                        <a:srgbClr val="080000"/>
-                      </a:solidFill>
-                      <a:prstDash val="solid"/>
-                      <a:headEnd type="none" w="med" len="med"/>
-                      <a:tailEnd type="none" w="med" len="med"/>
-                    </a:lnB>
-                    <a:lnTlToBr>
-                      <a:noFill/>
-                    </a:lnTlToBr>
-                    <a:lnBlToTr>
-                      <a:noFill/>
-                    </a:lnBlToTr>
-                    <a:noFill/>
-                  </a:tcPr>
-                </a:tc>
-                <a:tc>
-                  <a:txBody>
-                    <a:bodyPr/>
-                    <a:lstStyle/>
-                    <a:p>
-                      <a:pPr marL="0" indent="0" algn="ctr">
-                        <a:buNone/>
-                      </a:pPr>
-                      <a:r>
-                        <a:rPr lang="en-US" altLang="zh-CN" sz="2400" b="0" u="none" dirty="0">
-                          <a:latin typeface="宋体" panose="02010600030101010101" pitchFamily="2" charset="-122"/>
-                          <a:ea typeface="宋体" panose="02010600030101010101" pitchFamily="2" charset="-122"/>
-                          <a:cs typeface="宋体" panose="02010600030101010101" pitchFamily="2" charset="-122"/>
-                        </a:rPr>
-                        <a:t>200</a:t>
-                      </a:r>
-                      <a:r>
-                        <a:rPr lang="zh-CN" altLang="en-US" sz="2400" b="0" u="none">
-                          <a:latin typeface="宋体" panose="02010600030101010101" pitchFamily="2" charset="-122"/>
-                          <a:ea typeface="宋体" panose="02010600030101010101" pitchFamily="2" charset="-122"/>
-                          <a:cs typeface="宋体" panose="02010600030101010101" pitchFamily="2" charset="-122"/>
-                        </a:rPr>
-                        <a:t>元</a:t>
-                      </a:r>
-                    </a:p>
-                  </a:txBody>
-                  <a:tcPr marL="0" marR="0" marT="0" marB="1">
-                    <a:lnL w="9525" cap="flat" cmpd="sng">
-                      <a:solidFill>
-                        <a:srgbClr val="000000"/>
-                      </a:solidFill>
-                      <a:prstDash val="solid"/>
-                      <a:headEnd type="none" w="med" len="med"/>
-                      <a:tailEnd type="none" w="med" len="med"/>
-                    </a:lnL>
-                    <a:lnR w="9525" cap="flat" cmpd="sng">
-                      <a:solidFill>
-                        <a:srgbClr val="000000"/>
-                      </a:solidFill>
-                      <a:prstDash val="solid"/>
-                      <a:headEnd type="none" w="med" len="med"/>
-                      <a:tailEnd type="none" w="med" len="med"/>
-                    </a:lnR>
-                    <a:lnT w="12700" cap="flat" cmpd="sng">
-                      <a:solidFill>
-                        <a:srgbClr val="080000"/>
-                      </a:solidFill>
-                      <a:prstDash val="solid"/>
-                      <a:headEnd type="none" w="med" len="med"/>
-                      <a:tailEnd type="none" w="med" len="med"/>
-                    </a:lnT>
-                    <a:lnB w="12700" cap="flat" cmpd="sng">
-                      <a:solidFill>
-                        <a:srgbClr val="080000"/>
-                      </a:solidFill>
-                      <a:prstDash val="solid"/>
-                      <a:headEnd type="none" w="med" len="med"/>
-                      <a:tailEnd type="none" w="med" len="med"/>
-                    </a:lnB>
-                    <a:lnTlToBr>
-                      <a:noFill/>
-                    </a:lnTlToBr>
-                    <a:lnBlToTr>
-                      <a:noFill/>
-                    </a:lnBlToTr>
-                    <a:noFill/>
-                  </a:tcPr>
-                </a:tc>
-              </a:tr>
-              <a:tr h="351790">
-                <a:tc>
-                  <a:txBody>
-                    <a:bodyPr/>
-                    <a:lstStyle/>
-                    <a:p>
-                      <a:pPr marL="0" indent="0" algn="ctr">
-                        <a:buNone/>
-                      </a:pPr>
-                      <a:r>
-                        <a:rPr lang="en-US" altLang="zh-CN" sz="2400" b="0" u="none" dirty="0">
-                          <a:latin typeface="宋体" panose="02010600030101010101" pitchFamily="2" charset="-122"/>
-                          <a:ea typeface="宋体" panose="02010600030101010101" pitchFamily="2" charset="-122"/>
-                          <a:cs typeface="宋体" panose="02010600030101010101" pitchFamily="2" charset="-122"/>
-                        </a:rPr>
-                        <a:t>Team building</a:t>
-                      </a:r>
-                    </a:p>
-                  </a:txBody>
-                  <a:tcPr marL="0" marR="0" marT="0" marB="1">
-                    <a:lnL w="12700" cap="flat" cmpd="sng">
-                      <a:solidFill>
-                        <a:srgbClr val="080000"/>
-                      </a:solidFill>
-                      <a:prstDash val="solid"/>
-                      <a:headEnd type="none" w="med" len="med"/>
-                      <a:tailEnd type="none" w="med" len="med"/>
-                    </a:lnL>
-                    <a:lnR w="12700" cap="flat" cmpd="sng">
-                      <a:solidFill>
-                        <a:srgbClr val="080000"/>
-                      </a:solidFill>
-                      <a:prstDash val="solid"/>
-                      <a:headEnd type="none" w="med" len="med"/>
-                      <a:tailEnd type="none" w="med" len="med"/>
-                    </a:lnR>
-                    <a:lnT w="12700" cap="flat" cmpd="sng">
-                      <a:solidFill>
-                        <a:srgbClr val="080000"/>
-                      </a:solidFill>
-                      <a:prstDash val="solid"/>
-                      <a:headEnd type="none" w="med" len="med"/>
-                      <a:tailEnd type="none" w="med" len="med"/>
-                    </a:lnT>
-                    <a:lnB w="12700" cap="flat" cmpd="sng">
-                      <a:solidFill>
-                        <a:srgbClr val="080000"/>
-                      </a:solidFill>
-                      <a:prstDash val="solid"/>
-                      <a:headEnd type="none" w="med" len="med"/>
-                      <a:tailEnd type="none" w="med" len="med"/>
-                    </a:lnB>
-                    <a:lnTlToBr>
-                      <a:noFill/>
-                    </a:lnTlToBr>
-                    <a:lnBlToTr>
-                      <a:noFill/>
-                    </a:lnBlToTr>
-                    <a:noFill/>
-                  </a:tcPr>
-                </a:tc>
-                <a:tc>
-                  <a:txBody>
-                    <a:bodyPr/>
-                    <a:lstStyle/>
-                    <a:p>
-                      <a:pPr marL="0" indent="0" algn="ctr">
-                        <a:buNone/>
-                      </a:pPr>
-                      <a:r>
-                        <a:rPr lang="en-US" altLang="zh-CN" sz="2400" b="0" u="none" dirty="0">
-                          <a:latin typeface="宋体" panose="02010600030101010101" pitchFamily="2" charset="-122"/>
-                          <a:ea typeface="宋体" panose="02010600030101010101" pitchFamily="2" charset="-122"/>
-                          <a:cs typeface="宋体" panose="02010600030101010101" pitchFamily="2" charset="-122"/>
-                        </a:rPr>
-                        <a:t>1000</a:t>
-                      </a:r>
-                      <a:r>
-                        <a:rPr lang="zh-CN" altLang="en-US" sz="2400" b="0" u="none">
-                          <a:latin typeface="宋体" panose="02010600030101010101" pitchFamily="2" charset="-122"/>
-                          <a:ea typeface="宋体" panose="02010600030101010101" pitchFamily="2" charset="-122"/>
-                          <a:cs typeface="宋体" panose="02010600030101010101" pitchFamily="2" charset="-122"/>
-                        </a:rPr>
-                        <a:t>元</a:t>
-                      </a:r>
-                    </a:p>
-                  </a:txBody>
-                  <a:tcPr marL="0" marR="0" marT="0" marB="1">
-                    <a:lnL w="12700" cap="flat" cmpd="sng">
-                      <a:solidFill>
-                        <a:srgbClr val="080000"/>
-                      </a:solidFill>
-                      <a:prstDash val="solid"/>
-                      <a:headEnd type="none" w="med" len="med"/>
-                      <a:tailEnd type="none" w="med" len="med"/>
-                    </a:lnL>
-                    <a:lnR w="9525" cap="flat" cmpd="sng">
-                      <a:solidFill>
-                        <a:srgbClr val="000000"/>
-                      </a:solidFill>
-                      <a:prstDash val="solid"/>
-                      <a:headEnd type="none" w="med" len="med"/>
-                      <a:tailEnd type="none" w="med" len="med"/>
-                    </a:lnR>
-                    <a:lnT w="12700" cap="flat" cmpd="sng">
-                      <a:solidFill>
-                        <a:srgbClr val="080000"/>
-                      </a:solidFill>
-                      <a:prstDash val="solid"/>
-                      <a:headEnd type="none" w="med" len="med"/>
-                      <a:tailEnd type="none" w="med" len="med"/>
-                    </a:lnT>
-                    <a:lnB w="12700" cap="flat" cmpd="sng">
-                      <a:solidFill>
-                        <a:srgbClr val="080000"/>
-                      </a:solidFill>
-                      <a:prstDash val="solid"/>
-                      <a:headEnd type="none" w="med" len="med"/>
-                      <a:tailEnd type="none" w="med" len="med"/>
-                    </a:lnB>
-                    <a:lnTlToBr>
-                      <a:noFill/>
-                    </a:lnTlToBr>
-                    <a:lnBlToTr>
-                      <a:noFill/>
-                    </a:lnBlToTr>
-                    <a:noFill/>
-                  </a:tcPr>
-                </a:tc>
-                <a:tc>
-                  <a:txBody>
-                    <a:bodyPr/>
-                    <a:lstStyle/>
-                    <a:p>
-                      <a:pPr marL="0" indent="0" algn="ctr">
-                        <a:buNone/>
-                      </a:pPr>
-                      <a:r>
-                        <a:rPr lang="en-US" altLang="zh-CN" sz="2400" b="0" u="none" dirty="0">
-                          <a:latin typeface="宋体" panose="02010600030101010101" pitchFamily="2" charset="-122"/>
-                          <a:ea typeface="宋体" panose="02010600030101010101" pitchFamily="2" charset="-122"/>
-                          <a:cs typeface="宋体" panose="02010600030101010101" pitchFamily="2" charset="-122"/>
-                        </a:rPr>
-                        <a:t>1000</a:t>
-                      </a:r>
-                      <a:r>
-                        <a:rPr lang="zh-CN" altLang="en-US" sz="2400" b="0" u="none">
-                          <a:latin typeface="宋体" panose="02010600030101010101" pitchFamily="2" charset="-122"/>
-                          <a:ea typeface="宋体" panose="02010600030101010101" pitchFamily="2" charset="-122"/>
-                          <a:cs typeface="宋体" panose="02010600030101010101" pitchFamily="2" charset="-122"/>
-                        </a:rPr>
-                        <a:t>元</a:t>
-                      </a:r>
-                    </a:p>
-                  </a:txBody>
-                  <a:tcPr marL="0" marR="0" marT="0" marB="1">
-                    <a:lnL w="9525" cap="flat" cmpd="sng">
-                      <a:solidFill>
-                        <a:srgbClr val="000000"/>
-                      </a:solidFill>
-                      <a:prstDash val="solid"/>
-                      <a:headEnd type="none" w="med" len="med"/>
-                      <a:tailEnd type="none" w="med" len="med"/>
-                    </a:lnL>
-                    <a:lnR w="9525" cap="flat" cmpd="sng">
-                      <a:solidFill>
-                        <a:srgbClr val="000000"/>
-                      </a:solidFill>
-                      <a:prstDash val="solid"/>
-                      <a:headEnd type="none" w="med" len="med"/>
-                      <a:tailEnd type="none" w="med" len="med"/>
-                    </a:lnR>
-                    <a:lnT w="12700" cap="flat" cmpd="sng">
-                      <a:solidFill>
-                        <a:srgbClr val="080000"/>
-                      </a:solidFill>
-                      <a:prstDash val="solid"/>
-                      <a:headEnd type="none" w="med" len="med"/>
-                      <a:tailEnd type="none" w="med" len="med"/>
-                    </a:lnT>
-                    <a:lnB w="12700" cap="flat" cmpd="sng">
-                      <a:solidFill>
-                        <a:srgbClr val="080000"/>
-                      </a:solidFill>
-                      <a:prstDash val="solid"/>
-                      <a:headEnd type="none" w="med" len="med"/>
-                      <a:tailEnd type="none" w="med" len="med"/>
-                    </a:lnB>
-                    <a:lnTlToBr>
-                      <a:noFill/>
-                    </a:lnTlToBr>
-                    <a:lnBlToTr>
-                      <a:noFill/>
-                    </a:lnBlToTr>
-                    <a:noFill/>
-                  </a:tcPr>
-                </a:tc>
-              </a:tr>
-              <a:tr h="365760">
-                <a:tc>
-                  <a:txBody>
-                    <a:bodyPr/>
-                    <a:lstStyle/>
-                    <a:p>
-                      <a:pPr marL="0" indent="0" algn="ctr">
-                        <a:buNone/>
-                      </a:pPr>
-                      <a:r>
-                        <a:rPr lang="zh-CN" altLang="en-US" sz="2400" b="0" u="none">
-                          <a:latin typeface="宋体" panose="02010600030101010101" pitchFamily="2" charset="-122"/>
-                          <a:ea typeface="宋体" panose="02010600030101010101" pitchFamily="2" charset="-122"/>
-                          <a:cs typeface="宋体" panose="02010600030101010101" pitchFamily="2" charset="-122"/>
-                        </a:rPr>
-                        <a:t>人员成本</a:t>
-                      </a:r>
-                    </a:p>
-                  </a:txBody>
-                  <a:tcPr marL="0" marR="0" marT="0" marB="1">
-                    <a:lnL w="12700" cap="flat" cmpd="sng">
-                      <a:solidFill>
-                        <a:srgbClr val="080000"/>
-                      </a:solidFill>
-                      <a:prstDash val="solid"/>
-                      <a:headEnd type="none" w="med" len="med"/>
-                      <a:tailEnd type="none" w="med" len="med"/>
-                    </a:lnL>
-                    <a:lnR w="12700" cap="flat" cmpd="sng">
-                      <a:solidFill>
-                        <a:srgbClr val="080000"/>
-                      </a:solidFill>
-                      <a:prstDash val="solid"/>
-                      <a:headEnd type="none" w="med" len="med"/>
-                      <a:tailEnd type="none" w="med" len="med"/>
-                    </a:lnR>
-                    <a:lnT w="12700" cap="flat" cmpd="sng">
-                      <a:solidFill>
-                        <a:srgbClr val="080000"/>
-                      </a:solidFill>
-                      <a:prstDash val="solid"/>
-                      <a:headEnd type="none" w="med" len="med"/>
-                      <a:tailEnd type="none" w="med" len="med"/>
-                    </a:lnT>
-                    <a:lnB w="12700" cap="flat" cmpd="sng">
-                      <a:solidFill>
-                        <a:srgbClr val="080000"/>
-                      </a:solidFill>
-                      <a:prstDash val="solid"/>
-                      <a:headEnd type="none" w="med" len="med"/>
-                      <a:tailEnd type="none" w="med" len="med"/>
-                    </a:lnB>
-                    <a:lnTlToBr>
-                      <a:noFill/>
-                    </a:lnTlToBr>
-                    <a:lnBlToTr>
-                      <a:noFill/>
-                    </a:lnBlToTr>
-                    <a:noFill/>
-                  </a:tcPr>
-                </a:tc>
-                <a:tc>
-                  <a:txBody>
-                    <a:bodyPr/>
-                    <a:lstStyle/>
-                    <a:p>
-                      <a:pPr marL="0" indent="0" algn="ctr">
-                        <a:buNone/>
-                      </a:pPr>
-                      <a:r>
-                        <a:rPr lang="en-US" altLang="zh-CN" sz="2400" b="0" u="none" dirty="0">
-                          <a:latin typeface="宋体" panose="02010600030101010101" pitchFamily="2" charset="-122"/>
-                          <a:ea typeface="宋体" panose="02010600030101010101" pitchFamily="2" charset="-122"/>
-                          <a:cs typeface="宋体" panose="02010600030101010101" pitchFamily="2" charset="-122"/>
-                        </a:rPr>
-                        <a:t> </a:t>
-                      </a:r>
-                    </a:p>
-                  </a:txBody>
-                  <a:tcPr marL="0" marR="0" marT="0" marB="1">
-                    <a:lnL w="12700" cap="flat" cmpd="sng">
-                      <a:solidFill>
-                        <a:srgbClr val="080000"/>
-                      </a:solidFill>
-                      <a:prstDash val="solid"/>
-                      <a:headEnd type="none" w="med" len="med"/>
-                      <a:tailEnd type="none" w="med" len="med"/>
-                    </a:lnL>
-                    <a:lnR w="9525" cap="flat" cmpd="sng">
-                      <a:solidFill>
-                        <a:srgbClr val="000000"/>
-                      </a:solidFill>
-                      <a:prstDash val="solid"/>
-                      <a:headEnd type="none" w="med" len="med"/>
-                      <a:tailEnd type="none" w="med" len="med"/>
-                    </a:lnR>
-                    <a:lnT w="12700" cap="flat" cmpd="sng">
-                      <a:solidFill>
-                        <a:srgbClr val="080000"/>
-                      </a:solidFill>
-                      <a:prstDash val="solid"/>
-                      <a:headEnd type="none" w="med" len="med"/>
-                      <a:tailEnd type="none" w="med" len="med"/>
-                    </a:lnT>
-                    <a:lnB w="12700" cap="flat" cmpd="sng">
-                      <a:solidFill>
-                        <a:srgbClr val="080000"/>
-                      </a:solidFill>
-                      <a:prstDash val="solid"/>
-                      <a:headEnd type="none" w="med" len="med"/>
-                      <a:tailEnd type="none" w="med" len="med"/>
-                    </a:lnB>
-                    <a:lnTlToBr>
-                      <a:noFill/>
-                    </a:lnTlToBr>
-                    <a:lnBlToTr>
-                      <a:noFill/>
-                    </a:lnBlToTr>
-                    <a:noFill/>
-                  </a:tcPr>
-                </a:tc>
-                <a:tc>
-                  <a:txBody>
-                    <a:bodyPr/>
-                    <a:lstStyle/>
-                    <a:p>
-                      <a:pPr marL="0" indent="0" algn="ctr">
-                        <a:buNone/>
-                      </a:pPr>
-                      <a:r>
-                        <a:rPr lang="en-US" altLang="zh-CN" sz="2400" b="0" u="none" dirty="0">
-                          <a:latin typeface="宋体" panose="02010600030101010101" pitchFamily="2" charset="-122"/>
-                          <a:ea typeface="宋体" panose="02010600030101010101" pitchFamily="2" charset="-122"/>
-                          <a:cs typeface="宋体" panose="02010600030101010101" pitchFamily="2" charset="-122"/>
-                        </a:rPr>
-                        <a:t> </a:t>
-                      </a:r>
-                    </a:p>
-                  </a:txBody>
-                  <a:tcPr marL="0" marR="0" marT="0" marB="1">
-                    <a:lnL w="9525" cap="flat" cmpd="sng">
-                      <a:solidFill>
-                        <a:srgbClr val="000000"/>
-                      </a:solidFill>
-                      <a:prstDash val="solid"/>
-                      <a:headEnd type="none" w="med" len="med"/>
-                      <a:tailEnd type="none" w="med" len="med"/>
-                    </a:lnL>
-                    <a:lnR w="9525" cap="flat" cmpd="sng">
-                      <a:solidFill>
-                        <a:srgbClr val="000000"/>
-                      </a:solidFill>
-                      <a:prstDash val="solid"/>
-                      <a:headEnd type="none" w="med" len="med"/>
-                      <a:tailEnd type="none" w="med" len="med"/>
-                    </a:lnR>
-                    <a:lnT w="12700" cap="flat" cmpd="sng">
-                      <a:solidFill>
-                        <a:srgbClr val="080000"/>
-                      </a:solidFill>
-                      <a:prstDash val="solid"/>
-                      <a:headEnd type="none" w="med" len="med"/>
-                      <a:tailEnd type="none" w="med" len="med"/>
-                    </a:lnT>
-                    <a:lnB w="12700" cap="flat" cmpd="sng">
-                      <a:solidFill>
-                        <a:srgbClr val="080000"/>
-                      </a:solidFill>
-                      <a:prstDash val="solid"/>
-                      <a:headEnd type="none" w="med" len="med"/>
-                      <a:tailEnd type="none" w="med" len="med"/>
-                    </a:lnB>
-                    <a:lnTlToBr>
-                      <a:noFill/>
-                    </a:lnTlToBr>
-                    <a:lnBlToTr>
-                      <a:noFill/>
-                    </a:lnBlToTr>
-                    <a:noFill/>
-                  </a:tcPr>
-                </a:tc>
-              </a:tr>
-              <a:tr h="351155">
-                <a:tc>
-                  <a:txBody>
-                    <a:bodyPr/>
-                    <a:lstStyle/>
-                    <a:p>
-                      <a:pPr marL="0" indent="0" algn="ctr">
-                        <a:buNone/>
-                      </a:pPr>
-                      <a:r>
-                        <a:rPr lang="zh-CN" altLang="en-US" sz="2400" b="0" u="none">
-                          <a:latin typeface="宋体" panose="02010600030101010101" pitchFamily="2" charset="-122"/>
-                          <a:ea typeface="宋体" panose="02010600030101010101" pitchFamily="2" charset="-122"/>
-                          <a:cs typeface="宋体" panose="02010600030101010101" pitchFamily="2" charset="-122"/>
-                        </a:rPr>
-                        <a:t>总计</a:t>
-                      </a:r>
-                    </a:p>
-                  </a:txBody>
-                  <a:tcPr marL="0" marR="0" marT="0" marB="1">
-                    <a:lnL w="12700" cap="flat" cmpd="sng">
-                      <a:solidFill>
-                        <a:srgbClr val="080000"/>
-                      </a:solidFill>
-                      <a:prstDash val="solid"/>
-                      <a:headEnd type="none" w="med" len="med"/>
-                      <a:tailEnd type="none" w="med" len="med"/>
-                    </a:lnL>
-                    <a:lnR w="12700" cap="flat" cmpd="sng">
-                      <a:solidFill>
-                        <a:srgbClr val="080000"/>
-                      </a:solidFill>
-                      <a:prstDash val="solid"/>
-                      <a:headEnd type="none" w="med" len="med"/>
-                      <a:tailEnd type="none" w="med" len="med"/>
-                    </a:lnR>
-                    <a:lnT w="12700" cap="flat" cmpd="sng">
-                      <a:solidFill>
-                        <a:srgbClr val="080000"/>
-                      </a:solidFill>
-                      <a:prstDash val="solid"/>
-                      <a:headEnd type="none" w="med" len="med"/>
-                      <a:tailEnd type="none" w="med" len="med"/>
-                    </a:lnT>
-                    <a:lnB w="12700" cap="flat" cmpd="sng">
-                      <a:solidFill>
-                        <a:srgbClr val="080000"/>
-                      </a:solidFill>
-                      <a:prstDash val="solid"/>
-                      <a:headEnd type="none" w="med" len="med"/>
-                      <a:tailEnd type="none" w="med" len="med"/>
-                    </a:lnB>
-                    <a:lnTlToBr>
-                      <a:noFill/>
-                    </a:lnTlToBr>
-                    <a:lnBlToTr>
-                      <a:noFill/>
-                    </a:lnBlToTr>
-                    <a:noFill/>
-                  </a:tcPr>
-                </a:tc>
-                <a:tc>
-                  <a:txBody>
-                    <a:bodyPr/>
-                    <a:lstStyle/>
-                    <a:p>
-                      <a:pPr marL="0" indent="0" algn="ctr">
-                        <a:buNone/>
-                      </a:pPr>
-                      <a:r>
-                        <a:rPr lang="en-US" altLang="zh-CN" sz="2400" b="0" u="none" dirty="0">
-                          <a:latin typeface="宋体" panose="02010600030101010101" pitchFamily="2" charset="-122"/>
-                          <a:ea typeface="宋体" panose="02010600030101010101" pitchFamily="2" charset="-122"/>
-                          <a:cs typeface="宋体" panose="02010600030101010101" pitchFamily="2" charset="-122"/>
-                        </a:rPr>
-                        <a:t> </a:t>
-                      </a:r>
-                    </a:p>
-                  </a:txBody>
-                  <a:tcPr marL="0" marR="0" marT="0" marB="1">
-                    <a:lnL w="12700" cap="flat" cmpd="sng">
-                      <a:solidFill>
-                        <a:srgbClr val="080000"/>
-                      </a:solidFill>
-                      <a:prstDash val="solid"/>
-                      <a:headEnd type="none" w="med" len="med"/>
-                      <a:tailEnd type="none" w="med" len="med"/>
-                    </a:lnL>
-                    <a:lnR w="9525" cap="flat" cmpd="sng">
-                      <a:solidFill>
-                        <a:srgbClr val="000000"/>
-                      </a:solidFill>
-                      <a:prstDash val="solid"/>
-                      <a:headEnd type="none" w="med" len="med"/>
-                      <a:tailEnd type="none" w="med" len="med"/>
-                    </a:lnR>
-                    <a:lnT w="12700" cap="flat" cmpd="sng">
-                      <a:solidFill>
-                        <a:srgbClr val="080000"/>
-                      </a:solidFill>
-                      <a:prstDash val="solid"/>
-                      <a:headEnd type="none" w="med" len="med"/>
-                      <a:tailEnd type="none" w="med" len="med"/>
-                    </a:lnT>
-                    <a:lnB w="12700" cap="flat" cmpd="sng">
-                      <a:solidFill>
-                        <a:srgbClr val="080000"/>
-                      </a:solidFill>
-                      <a:prstDash val="solid"/>
-                      <a:headEnd type="none" w="med" len="med"/>
-                      <a:tailEnd type="none" w="med" len="med"/>
-                    </a:lnB>
-                    <a:lnTlToBr>
-                      <a:noFill/>
-                    </a:lnTlToBr>
-                    <a:lnBlToTr>
-                      <a:noFill/>
-                    </a:lnBlToTr>
-                    <a:noFill/>
-                  </a:tcPr>
-                </a:tc>
-                <a:tc>
-                  <a:txBody>
-                    <a:bodyPr/>
-                    <a:lstStyle/>
-                    <a:p>
-                      <a:pPr marL="0" indent="0" algn="ctr">
-                        <a:buNone/>
-                      </a:pPr>
-                      <a:endParaRPr lang="zh-CN" altLang="en-US" sz="2400" b="0" u="none">
-                        <a:latin typeface="宋体" panose="02010600030101010101" pitchFamily="2" charset="-122"/>
-                        <a:ea typeface="宋体" panose="02010600030101010101" pitchFamily="2" charset="-122"/>
-                        <a:cs typeface="宋体" panose="02010600030101010101" pitchFamily="2" charset="-122"/>
-                      </a:endParaRPr>
-                    </a:p>
-                  </a:txBody>
-                  <a:tcPr marL="0" marR="0" marT="0" marB="1">
-                    <a:lnL w="9525" cap="flat" cmpd="sng">
-                      <a:solidFill>
-                        <a:srgbClr val="000000"/>
-                      </a:solidFill>
-                      <a:prstDash val="solid"/>
-                      <a:headEnd type="none" w="med" len="med"/>
-                      <a:tailEnd type="none" w="med" len="med"/>
-                    </a:lnL>
-                    <a:lnR w="9525" cap="flat" cmpd="sng">
-                      <a:solidFill>
-                        <a:srgbClr val="000000"/>
-                      </a:solidFill>
-                      <a:prstDash val="solid"/>
-                      <a:headEnd type="none" w="med" len="med"/>
-                      <a:tailEnd type="none" w="med" len="med"/>
-                    </a:lnR>
-                    <a:lnT w="12700" cap="flat" cmpd="sng">
-                      <a:solidFill>
-                        <a:srgbClr val="080000"/>
-                      </a:solidFill>
-                      <a:prstDash val="solid"/>
-                      <a:headEnd type="none" w="med" len="med"/>
-                      <a:tailEnd type="none" w="med" len="med"/>
-                    </a:lnT>
-                    <a:lnB w="12700" cap="flat" cmpd="sng">
-                      <a:solidFill>
-                        <a:srgbClr val="080000"/>
-                      </a:solidFill>
-                      <a:prstDash val="solid"/>
-                      <a:headEnd type="none" w="med" len="med"/>
-                      <a:tailEnd type="none" w="med" len="med"/>
-                    </a:lnB>
-                    <a:lnTlToBr>
-                      <a:noFill/>
-                    </a:lnTlToBr>
-                    <a:lnBlToTr>
-                      <a:noFill/>
-                    </a:lnBlToTr>
-                    <a:noFill/>
-                  </a:tcPr>
-                </a:tc>
-              </a:tr>
-            </a:tbl>
-          </a:graphicData>
-        </a:graphic>
-      </p:graphicFrame>
-    </p:spTree>
-    <p:custDataLst>
-      <p:tags r:id="rId1"/>
-    </p:custDataLst>
-  </p:cSld>
-  <p:clrMapOvr>
-    <a:masterClrMapping/>
-  </p:clrMapOvr>
-  <p:timing>
-    <p:tnLst>
-      <p:par>
-        <p:cTn id="1" dur="indefinite" restart="never" nodeType="tmRoot"/>
-      </p:par>
-    </p:tnLst>
-  </p:timing>
-</p:sld>
-</file>
-
-<file path=ppt/slides/slide21.xml><?xml version="1.0" encoding="utf-8"?>
-<p:sld xmlns:a="http://schemas.openxmlformats.org/drawingml/2006/main" xmlns:r="http://schemas.openxmlformats.org/officeDocument/2006/relationships" xmlns:p="http://schemas.openxmlformats.org/presentationml/2006/main">
-  <p:cSld>
-    <p:spTree>
-      <p:nvGrpSpPr>
-        <p:cNvPr id="1" name=""/>
-        <p:cNvGrpSpPr/>
-        <p:nvPr/>
-      </p:nvGrpSpPr>
-      <p:grpSpPr>
-        <a:xfrm>
-          <a:off x="0" y="0"/>
-          <a:ext cx="0" cy="0"/>
-          <a:chOff x="0" y="0"/>
-          <a:chExt cx="0" cy="0"/>
-        </a:xfrm>
-      </p:grpSpPr>
       <p:grpSp>
         <p:nvGrpSpPr>
           <p:cNvPr id="5" name="组合 4"/>
@@ -17259,7 +15188,7 @@
 </p:sld>
 </file>
 
-<file path=ppt/slides/slide22.xml><?xml version="1.0" encoding="utf-8"?>
+<file path=ppt/slides/slide21.xml><?xml version="1.0" encoding="utf-8"?>
 <p:sld xmlns:a="http://schemas.openxmlformats.org/drawingml/2006/main" xmlns:r="http://schemas.openxmlformats.org/officeDocument/2006/relationships" xmlns:p="http://schemas.openxmlformats.org/presentationml/2006/main">
   <p:cSld>
     <p:spTree>
@@ -17605,7 +15534,7 @@
 </p:sld>
 </file>
 
-<file path=ppt/slides/slide23.xml><?xml version="1.0" encoding="utf-8"?>
+<file path=ppt/slides/slide22.xml><?xml version="1.0" encoding="utf-8"?>
 <p:sld xmlns:a="http://schemas.openxmlformats.org/drawingml/2006/main" xmlns:r="http://schemas.openxmlformats.org/officeDocument/2006/relationships" xmlns:p="http://schemas.openxmlformats.org/presentationml/2006/main">
   <p:cSld>
     <p:spTree>
@@ -17938,7 +15867,7 @@
 </p:sld>
 </file>
 
-<file path=ppt/slides/slide24.xml><?xml version="1.0" encoding="utf-8"?>
+<file path=ppt/slides/slide23.xml><?xml version="1.0" encoding="utf-8"?>
 <p:sld xmlns:a="http://schemas.openxmlformats.org/drawingml/2006/main" xmlns:r="http://schemas.openxmlformats.org/officeDocument/2006/relationships" xmlns:p="http://schemas.openxmlformats.org/presentationml/2006/main">
   <p:cSld>
     <p:spTree>
@@ -18036,7 +15965,7 @@
 </p:sld>
 </file>
 
-<file path=ppt/slides/slide25.xml><?xml version="1.0" encoding="utf-8"?>
+<file path=ppt/slides/slide24.xml><?xml version="1.0" encoding="utf-8"?>
 <p:sld xmlns:a="http://schemas.openxmlformats.org/drawingml/2006/main" xmlns:r="http://schemas.openxmlformats.org/officeDocument/2006/relationships" xmlns:p="http://schemas.openxmlformats.org/presentationml/2006/main">
   <p:cSld>
     <p:spTree>
@@ -18339,7 +16268,7 @@
 </p:sld>
 </file>
 
-<file path=ppt/slides/slide26.xml><?xml version="1.0" encoding="utf-8"?>
+<file path=ppt/slides/slide25.xml><?xml version="1.0" encoding="utf-8"?>
 <p:sld xmlns:a="http://schemas.openxmlformats.org/drawingml/2006/main" xmlns:r="http://schemas.openxmlformats.org/officeDocument/2006/relationships" xmlns:p="http://schemas.openxmlformats.org/presentationml/2006/main">
   <p:cSld>
     <p:spTree>
@@ -18678,7 +16607,7 @@
 </p:sld>
 </file>
 
-<file path=ppt/slides/slide27.xml><?xml version="1.0" encoding="utf-8"?>
+<file path=ppt/slides/slide26.xml><?xml version="1.0" encoding="utf-8"?>
 <p:sld xmlns:a="http://schemas.openxmlformats.org/drawingml/2006/main" xmlns:r="http://schemas.openxmlformats.org/officeDocument/2006/relationships" xmlns:p="http://schemas.openxmlformats.org/presentationml/2006/main">
   <p:cSld>
     <p:spTree>
@@ -18899,7 +16828,7 @@
 </p:sld>
 </file>
 
-<file path=ppt/slides/slide28.xml><?xml version="1.0" encoding="utf-8"?>
+<file path=ppt/slides/slide27.xml><?xml version="1.0" encoding="utf-8"?>
 <p:sld xmlns:a="http://schemas.openxmlformats.org/drawingml/2006/main" xmlns:r="http://schemas.openxmlformats.org/officeDocument/2006/relationships" xmlns:p="http://schemas.openxmlformats.org/presentationml/2006/main">
   <p:cSld>
     <p:spTree>
@@ -18990,7 +16919,7 @@
 </p:sld>
 </file>
 
-<file path=ppt/slides/slide29.xml><?xml version="1.0" encoding="utf-8"?>
+<file path=ppt/slides/slide28.xml><?xml version="1.0" encoding="utf-8"?>
 <p:sld xmlns:a="http://schemas.openxmlformats.org/drawingml/2006/main" xmlns:r="http://schemas.openxmlformats.org/officeDocument/2006/relationships" xmlns:p="http://schemas.openxmlformats.org/presentationml/2006/main">
   <p:cSld>
     <p:spTree>
@@ -19701,110 +17630,7 @@
 </p:sld>
 </file>
 
-<file path=ppt/slides/slide3.xml><?xml version="1.0" encoding="utf-8"?>
-<p:sld xmlns:a="http://schemas.openxmlformats.org/drawingml/2006/main" xmlns:r="http://schemas.openxmlformats.org/officeDocument/2006/relationships" xmlns:p="http://schemas.openxmlformats.org/presentationml/2006/main">
-  <p:cSld>
-    <p:spTree>
-      <p:nvGrpSpPr>
-        <p:cNvPr id="1" name=""/>
-        <p:cNvGrpSpPr/>
-        <p:nvPr/>
-      </p:nvGrpSpPr>
-      <p:grpSpPr>
-        <a:xfrm>
-          <a:off x="0" y="0"/>
-          <a:ext cx="0" cy="0"/>
-          <a:chOff x="0" y="0"/>
-          <a:chExt cx="0" cy="0"/>
-        </a:xfrm>
-      </p:grpSpPr>
-      <p:sp>
-        <p:nvSpPr>
-          <p:cNvPr id="4" name="标题 3"/>
-          <p:cNvSpPr>
-            <a:spLocks noGrp="1"/>
-          </p:cNvSpPr>
-          <p:nvPr>
-            <p:ph type="title"/>
-            <p:custDataLst>
-              <p:tags r:id="rId2"/>
-            </p:custDataLst>
-          </p:nvPr>
-        </p:nvSpPr>
-        <p:spPr/>
-        <p:txBody>
-          <a:bodyPr/>
-          <a:lstStyle/>
-          <a:p>
-            <a:r>
-              <a:rPr lang="zh-CN" altLang="en-US" dirty="0"/>
-              <a:t>引言</a:t>
-            </a:r>
-          </a:p>
-        </p:txBody>
-      </p:sp>
-      <p:sp>
-        <p:nvSpPr>
-          <p:cNvPr id="6" name="文本框 5"/>
-          <p:cNvSpPr txBox="1"/>
-          <p:nvPr>
-            <p:custDataLst>
-              <p:tags r:id="rId3"/>
-            </p:custDataLst>
-          </p:nvPr>
-        </p:nvSpPr>
-        <p:spPr>
-          <a:xfrm>
-            <a:off x="2171700" y="2946400"/>
-            <a:ext cx="685800" cy="584775"/>
-          </a:xfrm>
-          <a:prstGeom prst="rect">
-            <a:avLst/>
-          </a:prstGeom>
-          <a:noFill/>
-        </p:spPr>
-        <p:txBody>
-          <a:bodyPr wrap="square" rtlCol="0">
-            <a:normAutofit/>
-          </a:bodyPr>
-          <a:lstStyle/>
-          <a:p>
-            <a:pPr algn="ctr"/>
-            <a:r>
-              <a:rPr lang="en-US" altLang="zh-CN" sz="3200" dirty="0" smtClean="0">
-                <a:solidFill>
-                  <a:schemeClr val="bg1"/>
-                </a:solidFill>
-              </a:rPr>
-              <a:t>01</a:t>
-            </a:r>
-            <a:endParaRPr lang="zh-CN" altLang="en-US" sz="3200" dirty="0">
-              <a:solidFill>
-                <a:schemeClr val="bg1"/>
-              </a:solidFill>
-            </a:endParaRPr>
-          </a:p>
-        </p:txBody>
-      </p:sp>
-    </p:spTree>
-    <p:custDataLst>
-      <p:tags r:id="rId1"/>
-    </p:custDataLst>
-  </p:cSld>
-  <p:clrMapOvr>
-    <a:masterClrMapping/>
-  </p:clrMapOvr>
-  <p:timing>
-    <p:tnLst>
-      <p:par>
-        <p:cTn id="1" dur="indefinite" restart="never" nodeType="tmRoot"/>
-      </p:par>
-    </p:tnLst>
-  </p:timing>
-</p:sld>
-</file>
-
-<file path=ppt/slides/slide30.xml><?xml version="1.0" encoding="utf-8"?>
+<file path=ppt/slides/slide29.xml><?xml version="1.0" encoding="utf-8"?>
 <p:sld xmlns:a="http://schemas.openxmlformats.org/drawingml/2006/main" xmlns:r="http://schemas.openxmlformats.org/officeDocument/2006/relationships" xmlns:p="http://schemas.openxmlformats.org/presentationml/2006/main">
   <p:cSld>
     <p:spTree>
@@ -20127,7 +17953,110 @@
 </p:sld>
 </file>
 
-<file path=ppt/slides/slide31.xml><?xml version="1.0" encoding="utf-8"?>
+<file path=ppt/slides/slide3.xml><?xml version="1.0" encoding="utf-8"?>
+<p:sld xmlns:a="http://schemas.openxmlformats.org/drawingml/2006/main" xmlns:r="http://schemas.openxmlformats.org/officeDocument/2006/relationships" xmlns:p="http://schemas.openxmlformats.org/presentationml/2006/main">
+  <p:cSld>
+    <p:spTree>
+      <p:nvGrpSpPr>
+        <p:cNvPr id="1" name=""/>
+        <p:cNvGrpSpPr/>
+        <p:nvPr/>
+      </p:nvGrpSpPr>
+      <p:grpSpPr>
+        <a:xfrm>
+          <a:off x="0" y="0"/>
+          <a:ext cx="0" cy="0"/>
+          <a:chOff x="0" y="0"/>
+          <a:chExt cx="0" cy="0"/>
+        </a:xfrm>
+      </p:grpSpPr>
+      <p:sp>
+        <p:nvSpPr>
+          <p:cNvPr id="4" name="标题 3"/>
+          <p:cNvSpPr>
+            <a:spLocks noGrp="1"/>
+          </p:cNvSpPr>
+          <p:nvPr>
+            <p:ph type="title"/>
+            <p:custDataLst>
+              <p:tags r:id="rId2"/>
+            </p:custDataLst>
+          </p:nvPr>
+        </p:nvSpPr>
+        <p:spPr/>
+        <p:txBody>
+          <a:bodyPr/>
+          <a:lstStyle/>
+          <a:p>
+            <a:r>
+              <a:rPr lang="zh-CN" altLang="en-US" dirty="0"/>
+              <a:t>引言</a:t>
+            </a:r>
+          </a:p>
+        </p:txBody>
+      </p:sp>
+      <p:sp>
+        <p:nvSpPr>
+          <p:cNvPr id="6" name="文本框 5"/>
+          <p:cNvSpPr txBox="1"/>
+          <p:nvPr>
+            <p:custDataLst>
+              <p:tags r:id="rId3"/>
+            </p:custDataLst>
+          </p:nvPr>
+        </p:nvSpPr>
+        <p:spPr>
+          <a:xfrm>
+            <a:off x="2171700" y="2946400"/>
+            <a:ext cx="685800" cy="584775"/>
+          </a:xfrm>
+          <a:prstGeom prst="rect">
+            <a:avLst/>
+          </a:prstGeom>
+          <a:noFill/>
+        </p:spPr>
+        <p:txBody>
+          <a:bodyPr wrap="square" rtlCol="0">
+            <a:normAutofit/>
+          </a:bodyPr>
+          <a:lstStyle/>
+          <a:p>
+            <a:pPr algn="ctr"/>
+            <a:r>
+              <a:rPr lang="en-US" altLang="zh-CN" sz="3200" dirty="0" smtClean="0">
+                <a:solidFill>
+                  <a:schemeClr val="bg1"/>
+                </a:solidFill>
+              </a:rPr>
+              <a:t>01</a:t>
+            </a:r>
+            <a:endParaRPr lang="zh-CN" altLang="en-US" sz="3200" dirty="0">
+              <a:solidFill>
+                <a:schemeClr val="bg1"/>
+              </a:solidFill>
+            </a:endParaRPr>
+          </a:p>
+        </p:txBody>
+      </p:sp>
+    </p:spTree>
+    <p:custDataLst>
+      <p:tags r:id="rId1"/>
+    </p:custDataLst>
+  </p:cSld>
+  <p:clrMapOvr>
+    <a:masterClrMapping/>
+  </p:clrMapOvr>
+  <p:timing>
+    <p:tnLst>
+      <p:par>
+        <p:cTn id="1" dur="indefinite" restart="never" nodeType="tmRoot"/>
+      </p:par>
+    </p:tnLst>
+  </p:timing>
+</p:sld>
+</file>
+
+<file path=ppt/slides/slide30.xml><?xml version="1.0" encoding="utf-8"?>
 <p:sld xmlns:a="http://schemas.openxmlformats.org/drawingml/2006/main" xmlns:r="http://schemas.openxmlformats.org/officeDocument/2006/relationships" xmlns:p="http://schemas.openxmlformats.org/presentationml/2006/main">
   <p:cSld>
     <p:spTree>
@@ -20515,7 +18444,7 @@
 </p:sld>
 </file>
 
-<file path=ppt/slides/slide32.xml><?xml version="1.0" encoding="utf-8"?>
+<file path=ppt/slides/slide31.xml><?xml version="1.0" encoding="utf-8"?>
 <p:sld xmlns:a="http://schemas.openxmlformats.org/drawingml/2006/main" xmlns:r="http://schemas.openxmlformats.org/officeDocument/2006/relationships" xmlns:p="http://schemas.openxmlformats.org/presentationml/2006/main">
   <p:cSld>
     <p:spTree>
@@ -20865,7 +18794,7 @@
 </p:sld>
 </file>
 
-<file path=ppt/slides/slide33.xml><?xml version="1.0" encoding="utf-8"?>
+<file path=ppt/slides/slide32.xml><?xml version="1.0" encoding="utf-8"?>
 <p:sld xmlns:a="http://schemas.openxmlformats.org/drawingml/2006/main" xmlns:r="http://schemas.openxmlformats.org/officeDocument/2006/relationships" xmlns:p="http://schemas.openxmlformats.org/presentationml/2006/main">
   <p:cSld>
     <p:spTree>
@@ -21006,7 +18935,7 @@
 </p:sld>
 </file>
 
-<file path=ppt/slides/slide34.xml><?xml version="1.0" encoding="utf-8"?>
+<file path=ppt/slides/slide33.xml><?xml version="1.0" encoding="utf-8"?>
 <p:sld xmlns:a="http://schemas.openxmlformats.org/drawingml/2006/main" xmlns:r="http://schemas.openxmlformats.org/officeDocument/2006/relationships" xmlns:p="http://schemas.openxmlformats.org/presentationml/2006/main">
   <p:cSld>
     <p:spTree>
@@ -21097,7 +19026,7 @@
 </p:sld>
 </file>
 
-<file path=ppt/slides/slide35.xml><?xml version="1.0" encoding="utf-8"?>
+<file path=ppt/slides/slide34.xml><?xml version="1.0" encoding="utf-8"?>
 <p:sld xmlns:a="http://schemas.openxmlformats.org/drawingml/2006/main" xmlns:r="http://schemas.openxmlformats.org/officeDocument/2006/relationships" xmlns:p="http://schemas.openxmlformats.org/presentationml/2006/main">
   <p:cSld>
     <p:spTree>
@@ -21309,7 +19238,7 @@
 </p:sld>
 </file>
 
-<file path=ppt/slides/slide36.xml><?xml version="1.0" encoding="utf-8"?>
+<file path=ppt/slides/slide35.xml><?xml version="1.0" encoding="utf-8"?>
 <p:sld xmlns:a="http://schemas.openxmlformats.org/drawingml/2006/main" xmlns:r="http://schemas.openxmlformats.org/officeDocument/2006/relationships" xmlns:p="http://schemas.openxmlformats.org/presentationml/2006/main">
   <p:cSld>
     <p:spTree>
@@ -21406,7 +19335,7 @@
           <p:nvPr>
             <p:extLst>
               <p:ext uri="{D42A27DB-BD31-4B8C-83A1-F6EECF244321}">
-                <p14:modId xmlns:p14="http://schemas.microsoft.com/office/powerpoint/2010/main" val="2281822286"/>
+                <p14:modId xmlns:p14="http://schemas.microsoft.com/office/powerpoint/2010/main" val="3382341183"/>
               </p:ext>
             </p:extLst>
           </p:nvPr>
@@ -21714,7 +19643,25 @@
                         <a:rPr lang="zh-CN" altLang="en-US" sz="1800" dirty="0">
                           <a:sym typeface="+mn-ea"/>
                         </a:rPr>
-                        <a:t>.4影响，4.5局限性，和部分可行性分析</a:t>
+                        <a:t>.4影响，4.5</a:t>
+                      </a:r>
+                      <a:r>
+                        <a:rPr lang="zh-CN" altLang="en-US" sz="1800" dirty="0" smtClean="0">
+                          <a:sym typeface="+mn-ea"/>
+                        </a:rPr>
+                        <a:t>局限性</a:t>
+                      </a:r>
+                      <a:r>
+                        <a:rPr lang="en-US" altLang="zh-CN" sz="1800" dirty="0" smtClean="0">
+                          <a:sym typeface="+mn-ea"/>
+                        </a:rPr>
+                        <a:t>,</a:t>
+                      </a:r>
+                      <a:r>
+                        <a:rPr lang="zh-CN" altLang="en-US" sz="1800" smtClean="0">
+                          <a:sym typeface="+mn-ea"/>
+                        </a:rPr>
+                        <a:t>会议记录，查找模板</a:t>
                       </a:r>
                       <a:endParaRPr lang="zh-CN" altLang="en-US" dirty="0"/>
                     </a:p>
@@ -21818,11 +19765,7 @@
             </a:r>
             <a:r>
               <a:rPr lang="en-US" altLang="zh-CN" dirty="0"/>
-              <a:t>—</a:t>
-            </a:r>
-            <a:r>
-              <a:rPr lang="en-US" altLang="zh-CN" dirty="0"/>
-              <a:t>Jquery</a:t>
+              <a:t>—Jquery</a:t>
             </a:r>
             <a:r>
               <a:rPr lang="zh-CN" altLang="zh-CN" dirty="0"/>
@@ -21845,11 +19788,19 @@
           <a:p>
             <a:r>
               <a:rPr lang="en-US" altLang="zh-CN" dirty="0"/>
-              <a:t>                  </a:t>
+              <a:t>                 </a:t>
+            </a:r>
+            <a:r>
+              <a:rPr lang="en-US" altLang="zh-CN" dirty="0" smtClean="0"/>
+              <a:t> </a:t>
+            </a:r>
+            <a:r>
+              <a:rPr lang="zh-CN" altLang="zh-CN" dirty="0" smtClean="0"/>
+              <a:t>王</a:t>
             </a:r>
             <a:r>
               <a:rPr lang="zh-CN" altLang="zh-CN" dirty="0"/>
-              <a:t>王敏星：搭建网站的结构</a:t>
+              <a:t>敏星：搭建网站的结构</a:t>
             </a:r>
             <a:r>
               <a:rPr lang="en-US" altLang="zh-CN" dirty="0"/>
@@ -21891,8 +19842,16 @@
               <a:t>，使用工具：</a:t>
             </a:r>
             <a:r>
-              <a:rPr lang="en-US" altLang="zh-CN" dirty="0"/>
-              <a:t>Eclipse</a:t>
+              <a:rPr lang="en-US" altLang="zh-CN" dirty="0" smtClean="0"/>
+              <a:t>Eclipse(</a:t>
+            </a:r>
+            <a:r>
+              <a:rPr lang="en-US" altLang="zh-CN" dirty="0" err="1" smtClean="0"/>
+              <a:t>javaEE</a:t>
+            </a:r>
+            <a:r>
+              <a:rPr lang="en-US" altLang="zh-CN" dirty="0" smtClean="0"/>
+              <a:t>)</a:t>
             </a:r>
             <a:endParaRPr lang="zh-CN" altLang="zh-CN" dirty="0"/>
           </a:p>
@@ -21950,7 +19909,7 @@
 </p:sld>
 </file>
 
-<file path=ppt/slides/slide37.xml><?xml version="1.0" encoding="utf-8"?>
+<file path=ppt/slides/slide36.xml><?xml version="1.0" encoding="utf-8"?>
 <p:sld xmlns:a="http://schemas.openxmlformats.org/drawingml/2006/main" xmlns:r="http://schemas.openxmlformats.org/officeDocument/2006/relationships" xmlns:p="http://schemas.openxmlformats.org/presentationml/2006/main">
   <p:cSld>
     <p:spTree>
@@ -23562,7 +21521,7 @@
         <p:spPr>
           <a:xfrm>
             <a:off x="1137285" y="1117600"/>
-            <a:ext cx="9917430" cy="4480560"/>
+            <a:ext cx="9917430" cy="4801314"/>
           </a:xfrm>
           <a:prstGeom prst="rect">
             <a:avLst/>
@@ -23580,50 +21539,34 @@
               <a:t>1.1     </a:t>
             </a:r>
             <a:r>
-              <a:rPr lang="zh-CN" altLang="en-US" b="1"/>
+              <a:rPr lang="zh-CN" altLang="en-US" b="1" dirty="0"/>
               <a:t>编写目的</a:t>
             </a:r>
             <a:r>
               <a:rPr lang="en-US" altLang="zh-CN" dirty="0"/>
-              <a:t>:  1)</a:t>
-            </a:r>
-            <a:r>
-              <a:rPr lang="zh-CN" altLang="en-US"/>
-              <a:t>学生获得更多的资料</a:t>
-            </a:r>
-          </a:p>
-          <a:p>
-            <a:r>
-              <a:rPr lang="en-US" altLang="zh-CN" dirty="0"/>
-              <a:t>                           2)</a:t>
-            </a:r>
-            <a:r>
-              <a:rPr lang="zh-CN" altLang="en-US"/>
-              <a:t>师生更好的沟通</a:t>
-            </a:r>
-          </a:p>
-          <a:p>
-            <a:r>
-              <a:rPr lang="zh-CN" altLang="en-US"/>
-              <a:t>                           </a:t>
-            </a:r>
-            <a:r>
-              <a:rPr lang="en-US" altLang="zh-CN" dirty="0"/>
-              <a:t>3)</a:t>
-            </a:r>
-            <a:r>
-              <a:rPr lang="zh-CN" altLang="en-US"/>
-              <a:t>为对这系列课程有兴趣的人提供平台</a:t>
-            </a:r>
-          </a:p>
-          <a:p>
-            <a:endParaRPr lang="zh-CN" altLang="en-US"/>
-          </a:p>
-          <a:p>
-            <a:endParaRPr lang="zh-CN" altLang="en-US"/>
-          </a:p>
-          <a:p>
-            <a:endParaRPr lang="zh-CN" altLang="en-US"/>
+              <a:t>: </a:t>
+            </a:r>
+            <a:endParaRPr lang="en-US" altLang="zh-CN" dirty="0" smtClean="0"/>
+          </a:p>
+          <a:p>
+            <a:r>
+              <a:rPr lang="en-US" altLang="zh-CN" dirty="0" smtClean="0"/>
+              <a:t>       1)</a:t>
+            </a:r>
+            <a:r>
+              <a:rPr lang="zh-CN" altLang="en-US" dirty="0" smtClean="0"/>
+              <a:t>为了验证软件工程系列课程教学辅助网站是否可以开发</a:t>
+            </a:r>
+            <a:endParaRPr lang="zh-CN" altLang="en-US" dirty="0"/>
+          </a:p>
+          <a:p>
+            <a:endParaRPr lang="zh-CN" altLang="en-US" dirty="0"/>
+          </a:p>
+          <a:p>
+            <a:endParaRPr lang="zh-CN" altLang="en-US" dirty="0"/>
+          </a:p>
+          <a:p>
+            <a:endParaRPr lang="zh-CN" altLang="en-US" dirty="0"/>
           </a:p>
           <a:p>
             <a:r>
@@ -23631,27 +21574,78 @@
               <a:t>1.2     </a:t>
             </a:r>
             <a:r>
-              <a:rPr lang="zh-CN" altLang="en-US" b="1"/>
+              <a:rPr lang="zh-CN" altLang="en-US" b="1" dirty="0"/>
               <a:t>背景</a:t>
             </a:r>
           </a:p>
           <a:p>
             <a:r>
-              <a:rPr lang="zh-CN" altLang="en-US"/>
-              <a:t>         设置软件工程系列课程辅助网站</a:t>
+              <a:rPr lang="zh-CN" altLang="en-US" dirty="0"/>
+              <a:t>         </a:t>
+            </a:r>
+            <a:r>
+              <a:rPr lang="en-US" altLang="zh-CN" dirty="0" smtClean="0"/>
+              <a:t>1.</a:t>
+            </a:r>
+            <a:r>
+              <a:rPr lang="zh-CN" altLang="en-US" dirty="0" smtClean="0"/>
+              <a:t>设置</a:t>
+            </a:r>
+            <a:r>
+              <a:rPr lang="zh-CN" altLang="en-US" dirty="0"/>
+              <a:t>软件工程系列课程辅助网站</a:t>
             </a:r>
             <a:r>
               <a:rPr lang="en-US" altLang="zh-CN" dirty="0"/>
               <a:t>,</a:t>
             </a:r>
             <a:r>
-              <a:rPr lang="zh-CN" altLang="en-US"/>
-              <a:t>是为了让学生可以更好的学好这几门核心课程，方便同学下载资料，学生和老师能够进行及时有效的沟通，所以，由软件工程专业的学生来开发一个项目管理与软件需求的教学网站，为学生提供可以下载资料以及在线听课的平台，也为老师和学生交流以及老师及时发布最新消息提供了一个平台。</a:t>
-            </a:r>
-          </a:p>
-          <a:p>
-            <a:r>
-              <a:rPr lang="zh-CN" altLang="en-US"/>
+              <a:rPr lang="zh-CN" altLang="en-US" dirty="0"/>
+              <a:t>是为了让学生可以更好的学好这几门核心课程，方便同学下载资料，学生和老师能够进行及时有效的沟通，所以，由软件工程专业的学生来开发一个项目管理与软件需求的教学网站，为学生提供可以下载资料以及在线听课的平台，也为老师和学生交流以及老师及时发布最新消息提供了一个平台</a:t>
+            </a:r>
+            <a:r>
+              <a:rPr lang="zh-CN" altLang="en-US" dirty="0" smtClean="0"/>
+              <a:t>。</a:t>
+            </a:r>
+            <a:endParaRPr lang="en-US" altLang="zh-CN" dirty="0" smtClean="0"/>
+          </a:p>
+          <a:p>
+            <a:r>
+              <a:rPr lang="en-US" altLang="zh-CN" dirty="0"/>
+              <a:t> </a:t>
+            </a:r>
+            <a:r>
+              <a:rPr lang="en-US" altLang="zh-CN" dirty="0" smtClean="0"/>
+              <a:t>        2.</a:t>
+            </a:r>
+            <a:r>
+              <a:rPr lang="zh-CN" altLang="en-US" dirty="0" smtClean="0"/>
+              <a:t>我们学过网络课、数据库课、</a:t>
+            </a:r>
+            <a:r>
+              <a:rPr lang="en-US" altLang="zh-CN" dirty="0" smtClean="0"/>
+              <a:t>java</a:t>
+            </a:r>
+            <a:r>
+              <a:rPr lang="zh-CN" altLang="en-US" dirty="0" smtClean="0"/>
+              <a:t>课，我们希望通过这个项目能够提升自己的能力。</a:t>
+            </a:r>
+            <a:endParaRPr lang="en-US" altLang="zh-CN" dirty="0" smtClean="0"/>
+          </a:p>
+          <a:p>
+            <a:r>
+              <a:rPr lang="en-US" altLang="zh-CN" dirty="0" smtClean="0"/>
+              <a:t>         3.</a:t>
+            </a:r>
+            <a:r>
+              <a:rPr lang="zh-CN" altLang="en-US" dirty="0" smtClean="0"/>
+              <a:t>我们希望这个学期完成界面原型设计</a:t>
+            </a:r>
+            <a:endParaRPr lang="zh-CN" altLang="en-US" dirty="0"/>
+          </a:p>
+          <a:p>
+            <a:r>
+              <a:rPr lang="zh-CN" altLang="en-US" dirty="0"/>
               <a:t>                        </a:t>
             </a:r>
           </a:p>
@@ -24926,26 +22920,48 @@
           </a:lstStyle>
           <a:p>
             <a:r>
+              <a:rPr lang="en-US" altLang="zh-CN" sz="2400" dirty="0" smtClean="0"/>
+              <a:t>a</a:t>
+            </a:r>
+            <a:r>
+              <a:rPr lang="zh-CN" altLang="en-US" sz="2400" dirty="0" smtClean="0"/>
+              <a:t>．</a:t>
+            </a:r>
+            <a:r>
               <a:rPr lang="zh-CN" altLang="en-US" sz="2400" dirty="0"/>
-              <a:t>a．所建议系统的运行寿命的最小值:1年</a:t>
-            </a:r>
-          </a:p>
-          <a:p>
+              <a:t>经费、投资方面的来源和限制:无</a:t>
+            </a:r>
+          </a:p>
+          <a:p>
+            <a:r>
+              <a:rPr lang="en-US" altLang="zh-CN" sz="2400" dirty="0"/>
+              <a:t>b</a:t>
+            </a:r>
+            <a:r>
+              <a:rPr lang="zh-CN" altLang="en-US" sz="2400" dirty="0" smtClean="0"/>
+              <a:t>．</a:t>
+            </a:r>
             <a:r>
               <a:rPr lang="zh-CN" altLang="en-US" sz="2400" dirty="0"/>
-              <a:t>b．经费、投资方面的来源和限制:无</a:t>
-            </a:r>
-          </a:p>
-          <a:p>
+              <a:t>硬件、软件、运行环境和开发环境方面的条件和限制:</a:t>
+            </a:r>
+          </a:p>
+          <a:p>
+            <a:r>
+              <a:rPr lang="en-US" altLang="zh-CN" sz="2400" dirty="0" smtClean="0"/>
+              <a:t>C</a:t>
+            </a:r>
+            <a:r>
+              <a:rPr lang="en-US" altLang="zh-CN" sz="2400" dirty="0"/>
+              <a:t>.</a:t>
+            </a:r>
+            <a:r>
+              <a:rPr lang="zh-CN" altLang="en-US" sz="2400" dirty="0" smtClean="0"/>
+              <a:t>软件环境</a:t>
+            </a:r>
             <a:r>
               <a:rPr lang="zh-CN" altLang="en-US" sz="2400" dirty="0"/>
-              <a:t>c．硬件、软件、运行环境和开发环境方面的条件和限制:</a:t>
-            </a:r>
-          </a:p>
-          <a:p>
-            <a:r>
-              <a:rPr lang="zh-CN" altLang="en-US" sz="2400" dirty="0"/>
-              <a:t>软件环境：Windows xp </a:t>
+              <a:t>：Windows xp </a:t>
             </a:r>
             <a:r>
               <a:rPr lang="zh-CN" altLang="en-US" sz="2400" dirty="0" smtClean="0"/>
@@ -24976,37 +22992,18 @@
           </a:p>
           <a:p>
             <a:r>
+              <a:rPr lang="zh-CN" altLang="en-US" sz="2400" dirty="0" smtClean="0"/>
+              <a:t>d</a:t>
+            </a:r>
+            <a:r>
               <a:rPr lang="zh-CN" altLang="en-US" sz="2400" dirty="0"/>
-              <a:t>硬件环境：E7500+4G内存+320G硬盘+</a:t>
+              <a:t>．可利用的信息和资源:网上资源，图书馆专业书</a:t>
             </a:r>
             <a:r>
               <a:rPr lang="zh-CN" altLang="en-US" sz="2400" dirty="0" smtClean="0"/>
-              <a:t>百兆</a:t>
-            </a:r>
-            <a:r>
-              <a:rPr lang="zh-CN" altLang="en-US" sz="2400" dirty="0"/>
-              <a:t>网卡+百兆局域网</a:t>
-            </a:r>
-          </a:p>
-          <a:p>
-            <a:r>
-              <a:rPr lang="zh-CN" altLang="en-US" sz="2400" dirty="0"/>
-              <a:t>d．可利用的信息和资源:网上资源，图书馆专业书。</a:t>
-            </a:r>
-          </a:p>
-          <a:p>
-            <a:r>
-              <a:rPr lang="en-US" altLang="zh-CN" sz="2400" dirty="0"/>
-              <a:t>e.</a:t>
-            </a:r>
-            <a:r>
-              <a:rPr lang="zh-CN" altLang="en-US" sz="2400" dirty="0"/>
-              <a:t>系统投入使用的最晚时间:预计2017年1月</a:t>
-            </a:r>
-            <a:r>
-              <a:rPr lang="zh-CN" altLang="en-US" dirty="0"/>
               <a:t>。</a:t>
             </a:r>
+            <a:endParaRPr lang="zh-CN" altLang="en-US" sz="2400" dirty="0"/>
           </a:p>
         </p:txBody>
       </p:sp>
@@ -25366,47 +23363,40 @@
   <p:tag name="KSO_WM_TEMPLATE_CATEGORY" val="custom"/>
   <p:tag name="KSO_WM_TEMPLATE_INDEX" val="160117"/>
   <p:tag name="KSO_WM_TAG_VERSION" val="1.0"/>
-  <p:tag name="KSO_WM_SLIDE_ID" val="custom160117_13"/>
-  <p:tag name="KSO_WM_SLIDE_INDEX" val="13"/>
-  <p:tag name="KSO_WM_SLIDE_ITEM_CNT" val="1"/>
-  <p:tag name="KSO_WM_SLIDE_LAYOUT" val="a_f"/>
+  <p:tag name="KSO_WM_SLIDE_ID" val="custom160117_16"/>
+  <p:tag name="KSO_WM_SLIDE_INDEX" val="16"/>
+  <p:tag name="KSO_WM_SLIDE_ITEM_CNT" val="2"/>
+  <p:tag name="KSO_WM_SLIDE_LAYOUT" val="a_l"/>
   <p:tag name="KSO_WM_SLIDE_LAYOUT_CNT" val="1_1"/>
   <p:tag name="KSO_WM_SLIDE_TYPE" val="text"/>
   <p:tag name="KSO_WM_BEAUTIFY_FLAG" val="#wm#"/>
-  <p:tag name="KSO_WM_SLIDE_POSITION" val="245*209"/>
-  <p:tag name="KSO_WM_SLIDE_SIZE" val="505*173"/>
+  <p:tag name="KSO_WM_SLIDE_POSITION" val="350*220"/>
+  <p:tag name="KSO_WM_SLIDE_SIZE" val="261*192"/>
+  <p:tag name="KSO_WM_DIAGRAM_GROUP_CODE" val="l1-2"/>
 </p:tagLst>
 </file>
 
 <file path=ppt/tags/tag116.xml><?xml version="1.0" encoding="utf-8"?>
 <p:tagLst xmlns:a="http://schemas.openxmlformats.org/drawingml/2006/main" xmlns:r="http://schemas.openxmlformats.org/officeDocument/2006/relationships" xmlns:p="http://schemas.openxmlformats.org/presentationml/2006/main">
-  <p:tag name="MH" val="20151014103447"/>
-  <p:tag name="MH_LIBRARY" val="GRAPHIC"/>
-  <p:tag name="MH_TYPE" val="Other"/>
-  <p:tag name="MH_ORDER" val="3"/>
   <p:tag name="KSO_WM_TAG_VERSION" val="1.0"/>
   <p:tag name="KSO_WM_BEAUTIFY_FLAG" val="#wm#"/>
   <p:tag name="KSO_WM_UNIT_TYPE" val="i"/>
-  <p:tag name="KSO_WM_UNIT_ID" val="custom160117_13*i*2"/>
+  <p:tag name="KSO_WM_UNIT_ID" val="custom160117_16*i*0"/>
   <p:tag name="KSO_WM_TEMPLATE_CATEGORY" val="custom"/>
   <p:tag name="KSO_WM_TEMPLATE_INDEX" val="160117"/>
-  <p:tag name="KSO_WM_UNIT_INDEX" val="2"/>
+  <p:tag name="KSO_WM_UNIT_INDEX" val="0"/>
 </p:tagLst>
 </file>
 
 <file path=ppt/tags/tag117.xml><?xml version="1.0" encoding="utf-8"?>
 <p:tagLst xmlns:a="http://schemas.openxmlformats.org/drawingml/2006/main" xmlns:r="http://schemas.openxmlformats.org/officeDocument/2006/relationships" xmlns:p="http://schemas.openxmlformats.org/presentationml/2006/main">
-  <p:tag name="MH" val="20151014103447"/>
-  <p:tag name="MH_LIBRARY" val="GRAPHIC"/>
-  <p:tag name="MH_TYPE" val="Other"/>
-  <p:tag name="MH_ORDER" val="4"/>
   <p:tag name="KSO_WM_TAG_VERSION" val="1.0"/>
   <p:tag name="KSO_WM_BEAUTIFY_FLAG" val="#wm#"/>
   <p:tag name="KSO_WM_UNIT_TYPE" val="i"/>
-  <p:tag name="KSO_WM_UNIT_ID" val="custom160117_13*i*3"/>
+  <p:tag name="KSO_WM_UNIT_ID" val="custom160117_16*i*9"/>
   <p:tag name="KSO_WM_TEMPLATE_CATEGORY" val="custom"/>
   <p:tag name="KSO_WM_TEMPLATE_INDEX" val="160117"/>
-  <p:tag name="KSO_WM_UNIT_INDEX" val="3"/>
+  <p:tag name="KSO_WM_UNIT_INDEX" val="9"/>
 </p:tagLst>
 </file>
 
@@ -25418,7 +23408,7 @@
   <p:tag name="KSO_WM_TEMPLATE_INDEX" val="160117"/>
   <p:tag name="KSO_WM_UNIT_TYPE" val="a"/>
   <p:tag name="KSO_WM_UNIT_INDEX" val="1"/>
-  <p:tag name="KSO_WM_UNIT_ID" val="custom160117_13*a*1"/>
+  <p:tag name="KSO_WM_UNIT_ID" val="custom160117_16*a*1"/>
   <p:tag name="KSO_WM_UNIT_CLEAR" val="1"/>
   <p:tag name="KSO_WM_UNIT_LAYERLEVEL" val="1"/>
   <p:tag name="KSO_WM_UNIT_VALUE" val="29"/>
@@ -25426,25 +23416,19 @@
   <p:tag name="KSO_WM_UNIT_HIGHLIGHT" val="0"/>
   <p:tag name="KSO_WM_UNIT_COMPATIBLE" val="0"/>
   <p:tag name="KSO_WM_UNIT_PRESET_TEXT_INDEX" val="3"/>
-  <p:tag name="KSO_WM_UNIT_PRESET_TEXT_LEN" val="21"/>
+  <p:tag name="KSO_WM_UNIT_PRESET_TEXT_LEN" val="24"/>
 </p:tagLst>
 </file>
 
 <file path=ppt/tags/tag119.xml><?xml version="1.0" encoding="utf-8"?>
 <p:tagLst xmlns:a="http://schemas.openxmlformats.org/drawingml/2006/main" xmlns:r="http://schemas.openxmlformats.org/officeDocument/2006/relationships" xmlns:p="http://schemas.openxmlformats.org/presentationml/2006/main">
+  <p:tag name="KSO_WM_TAG_VERSION" val="1.0"/>
+  <p:tag name="KSO_WM_BEAUTIFY_FLAG" val="#wm#"/>
+  <p:tag name="KSO_WM_UNIT_TYPE" val="i"/>
+  <p:tag name="KSO_WM_UNIT_ID" val="custom160117_16*i*0"/>
   <p:tag name="KSO_WM_TEMPLATE_CATEGORY" val="custom"/>
   <p:tag name="KSO_WM_TEMPLATE_INDEX" val="160117"/>
-  <p:tag name="KSO_WM_TAG_VERSION" val="1.0"/>
-  <p:tag name="KSO_WM_SLIDE_ID" val="custom160117_16"/>
-  <p:tag name="KSO_WM_SLIDE_INDEX" val="16"/>
-  <p:tag name="KSO_WM_SLIDE_ITEM_CNT" val="2"/>
-  <p:tag name="KSO_WM_SLIDE_LAYOUT" val="a_l"/>
-  <p:tag name="KSO_WM_SLIDE_LAYOUT_CNT" val="1_1"/>
-  <p:tag name="KSO_WM_SLIDE_TYPE" val="text"/>
-  <p:tag name="KSO_WM_BEAUTIFY_FLAG" val="#wm#"/>
-  <p:tag name="KSO_WM_SLIDE_POSITION" val="350*220"/>
-  <p:tag name="KSO_WM_SLIDE_SIZE" val="261*192"/>
-  <p:tag name="KSO_WM_DIAGRAM_GROUP_CODE" val="l1-2"/>
+  <p:tag name="KSO_WM_UNIT_INDEX" val="0"/>
 </p:tagLst>
 </file>
 
@@ -25464,62 +23448,6 @@
 <p:tagLst xmlns:a="http://schemas.openxmlformats.org/drawingml/2006/main" xmlns:r="http://schemas.openxmlformats.org/officeDocument/2006/relationships" xmlns:p="http://schemas.openxmlformats.org/presentationml/2006/main">
   <p:tag name="KSO_WM_TAG_VERSION" val="1.0"/>
   <p:tag name="KSO_WM_BEAUTIFY_FLAG" val="#wm#"/>
-  <p:tag name="KSO_WM_UNIT_TYPE" val="i"/>
-  <p:tag name="KSO_WM_UNIT_ID" val="custom160117_16*i*0"/>
-  <p:tag name="KSO_WM_TEMPLATE_CATEGORY" val="custom"/>
-  <p:tag name="KSO_WM_TEMPLATE_INDEX" val="160117"/>
-  <p:tag name="KSO_WM_UNIT_INDEX" val="0"/>
-</p:tagLst>
-</file>
-
-<file path=ppt/tags/tag121.xml><?xml version="1.0" encoding="utf-8"?>
-<p:tagLst xmlns:a="http://schemas.openxmlformats.org/drawingml/2006/main" xmlns:r="http://schemas.openxmlformats.org/officeDocument/2006/relationships" xmlns:p="http://schemas.openxmlformats.org/presentationml/2006/main">
-  <p:tag name="KSO_WM_TAG_VERSION" val="1.0"/>
-  <p:tag name="KSO_WM_BEAUTIFY_FLAG" val="#wm#"/>
-  <p:tag name="KSO_WM_UNIT_TYPE" val="i"/>
-  <p:tag name="KSO_WM_UNIT_ID" val="custom160117_16*i*9"/>
-  <p:tag name="KSO_WM_TEMPLATE_CATEGORY" val="custom"/>
-  <p:tag name="KSO_WM_TEMPLATE_INDEX" val="160117"/>
-  <p:tag name="KSO_WM_UNIT_INDEX" val="9"/>
-</p:tagLst>
-</file>
-
-<file path=ppt/tags/tag122.xml><?xml version="1.0" encoding="utf-8"?>
-<p:tagLst xmlns:a="http://schemas.openxmlformats.org/drawingml/2006/main" xmlns:r="http://schemas.openxmlformats.org/officeDocument/2006/relationships" xmlns:p="http://schemas.openxmlformats.org/presentationml/2006/main">
-  <p:tag name="KSO_WM_TAG_VERSION" val="1.0"/>
-  <p:tag name="KSO_WM_BEAUTIFY_FLAG" val="#wm#"/>
-  <p:tag name="KSO_WM_TEMPLATE_CATEGORY" val="custom"/>
-  <p:tag name="KSO_WM_TEMPLATE_INDEX" val="160117"/>
-  <p:tag name="KSO_WM_UNIT_TYPE" val="a"/>
-  <p:tag name="KSO_WM_UNIT_INDEX" val="1"/>
-  <p:tag name="KSO_WM_UNIT_ID" val="custom160117_16*a*1"/>
-  <p:tag name="KSO_WM_UNIT_CLEAR" val="1"/>
-  <p:tag name="KSO_WM_UNIT_LAYERLEVEL" val="1"/>
-  <p:tag name="KSO_WM_UNIT_VALUE" val="29"/>
-  <p:tag name="KSO_WM_UNIT_ISCONTENTSTITLE" val="0"/>
-  <p:tag name="KSO_WM_UNIT_HIGHLIGHT" val="0"/>
-  <p:tag name="KSO_WM_UNIT_COMPATIBLE" val="0"/>
-  <p:tag name="KSO_WM_UNIT_PRESET_TEXT_INDEX" val="3"/>
-  <p:tag name="KSO_WM_UNIT_PRESET_TEXT_LEN" val="24"/>
-</p:tagLst>
-</file>
-
-<file path=ppt/tags/tag123.xml><?xml version="1.0" encoding="utf-8"?>
-<p:tagLst xmlns:a="http://schemas.openxmlformats.org/drawingml/2006/main" xmlns:r="http://schemas.openxmlformats.org/officeDocument/2006/relationships" xmlns:p="http://schemas.openxmlformats.org/presentationml/2006/main">
-  <p:tag name="KSO_WM_TAG_VERSION" val="1.0"/>
-  <p:tag name="KSO_WM_BEAUTIFY_FLAG" val="#wm#"/>
-  <p:tag name="KSO_WM_UNIT_TYPE" val="i"/>
-  <p:tag name="KSO_WM_UNIT_ID" val="custom160117_16*i*0"/>
-  <p:tag name="KSO_WM_TEMPLATE_CATEGORY" val="custom"/>
-  <p:tag name="KSO_WM_TEMPLATE_INDEX" val="160117"/>
-  <p:tag name="KSO_WM_UNIT_INDEX" val="0"/>
-</p:tagLst>
-</file>
-
-<file path=ppt/tags/tag124.xml><?xml version="1.0" encoding="utf-8"?>
-<p:tagLst xmlns:a="http://schemas.openxmlformats.org/drawingml/2006/main" xmlns:r="http://schemas.openxmlformats.org/officeDocument/2006/relationships" xmlns:p="http://schemas.openxmlformats.org/presentationml/2006/main">
-  <p:tag name="KSO_WM_TAG_VERSION" val="1.0"/>
-  <p:tag name="KSO_WM_BEAUTIFY_FLAG" val="#wm#"/>
   <p:tag name="KSO_WM_TEMPLATE_CATEGORY" val="custom"/>
   <p:tag name="KSO_WM_TEMPLATE_INDEX" val="160117"/>
   <p:tag name="KSO_WM_UNIT_TYPE" val="l_i"/>
@@ -25531,7 +23459,7 @@
 </p:tagLst>
 </file>
 
-<file path=ppt/tags/tag125.xml><?xml version="1.0" encoding="utf-8"?>
+<file path=ppt/tags/tag121.xml><?xml version="1.0" encoding="utf-8"?>
 <p:tagLst xmlns:a="http://schemas.openxmlformats.org/drawingml/2006/main" xmlns:r="http://schemas.openxmlformats.org/officeDocument/2006/relationships" xmlns:p="http://schemas.openxmlformats.org/presentationml/2006/main">
   <p:tag name="KSO_WM_TAG_VERSION" val="1.0"/>
   <p:tag name="KSO_WM_BEAUTIFY_FLAG" val="#wm#"/>
@@ -25551,7 +23479,7 @@
 </p:tagLst>
 </file>
 
-<file path=ppt/tags/tag126.xml><?xml version="1.0" encoding="utf-8"?>
+<file path=ppt/tags/tag122.xml><?xml version="1.0" encoding="utf-8"?>
 <p:tagLst xmlns:a="http://schemas.openxmlformats.org/drawingml/2006/main" xmlns:r="http://schemas.openxmlformats.org/officeDocument/2006/relationships" xmlns:p="http://schemas.openxmlformats.org/presentationml/2006/main">
   <p:tag name="KSO_WM_TAG_VERSION" val="1.0"/>
   <p:tag name="KSO_WM_BEAUTIFY_FLAG" val="#wm#"/>
@@ -25566,7 +23494,7 @@
 </p:tagLst>
 </file>
 
-<file path=ppt/tags/tag127.xml><?xml version="1.0" encoding="utf-8"?>
+<file path=ppt/tags/tag123.xml><?xml version="1.0" encoding="utf-8"?>
 <p:tagLst xmlns:a="http://schemas.openxmlformats.org/drawingml/2006/main" xmlns:r="http://schemas.openxmlformats.org/officeDocument/2006/relationships" xmlns:p="http://schemas.openxmlformats.org/presentationml/2006/main">
   <p:tag name="KSO_WM_TAG_VERSION" val="1.0"/>
   <p:tag name="KSO_WM_BEAUTIFY_FLAG" val="#wm#"/>
@@ -25581,7 +23509,7 @@
 </p:tagLst>
 </file>
 
-<file path=ppt/tags/tag128.xml><?xml version="1.0" encoding="utf-8"?>
+<file path=ppt/tags/tag124.xml><?xml version="1.0" encoding="utf-8"?>
 <p:tagLst xmlns:a="http://schemas.openxmlformats.org/drawingml/2006/main" xmlns:r="http://schemas.openxmlformats.org/officeDocument/2006/relationships" xmlns:p="http://schemas.openxmlformats.org/presentationml/2006/main">
   <p:tag name="KSO_WM_TAG_VERSION" val="1.0"/>
   <p:tag name="KSO_WM_BEAUTIFY_FLAG" val="#wm#"/>
@@ -25596,7 +23524,7 @@
 </p:tagLst>
 </file>
 
-<file path=ppt/tags/tag129.xml><?xml version="1.0" encoding="utf-8"?>
+<file path=ppt/tags/tag125.xml><?xml version="1.0" encoding="utf-8"?>
 <p:tagLst xmlns:a="http://schemas.openxmlformats.org/drawingml/2006/main" xmlns:r="http://schemas.openxmlformats.org/officeDocument/2006/relationships" xmlns:p="http://schemas.openxmlformats.org/presentationml/2006/main">
   <p:tag name="KSO_WM_TAG_VERSION" val="1.0"/>
   <p:tag name="KSO_WM_BEAUTIFY_FLAG" val="#wm#"/>
@@ -25605,6 +23533,71 @@
   <p:tag name="KSO_WM_UNIT_TYPE" val="l_h_f"/>
   <p:tag name="KSO_WM_UNIT_INDEX" val="1_2_1"/>
   <p:tag name="KSO_WM_UNIT_ID" val="custom160117_16*l_h_f*1_2_1"/>
+  <p:tag name="KSO_WM_UNIT_CLEAR" val="1"/>
+  <p:tag name="KSO_WM_UNIT_LAYERLEVEL" val="1_1_1"/>
+  <p:tag name="KSO_WM_UNIT_VALUE" val="27"/>
+  <p:tag name="KSO_WM_UNIT_HIGHLIGHT" val="0"/>
+  <p:tag name="KSO_WM_UNIT_COMPATIBLE" val="0"/>
+  <p:tag name="KSO_WM_UNIT_PRESET_TEXT_INDEX" val="3"/>
+  <p:tag name="KSO_WM_UNIT_PRESET_TEXT_LEN" val="12"/>
+  <p:tag name="KSO_WM_DIAGRAM_GROUP_CODE" val="l1-2"/>
+</p:tagLst>
+</file>
+
+<file path=ppt/tags/tag126.xml><?xml version="1.0" encoding="utf-8"?>
+<p:tagLst xmlns:a="http://schemas.openxmlformats.org/drawingml/2006/main" xmlns:r="http://schemas.openxmlformats.org/officeDocument/2006/relationships" xmlns:p="http://schemas.openxmlformats.org/presentationml/2006/main">
+  <p:tag name="KSO_WM_TAG_VERSION" val="1.0"/>
+  <p:tag name="KSO_WM_BEAUTIFY_FLAG" val="#wm#"/>
+  <p:tag name="KSO_WM_TEMPLATE_CATEGORY" val="custom"/>
+  <p:tag name="KSO_WM_TEMPLATE_INDEX" val="160117"/>
+  <p:tag name="KSO_WM_UNIT_TYPE" val="l_i"/>
+  <p:tag name="KSO_WM_UNIT_INDEX" val="1_5"/>
+  <p:tag name="KSO_WM_UNIT_ID" val="custom160117_16*l_i*1_5"/>
+  <p:tag name="KSO_WM_UNIT_CLEAR" val="1"/>
+  <p:tag name="KSO_WM_UNIT_LAYERLEVEL" val="1_1"/>
+  <p:tag name="KSO_WM_DIAGRAM_GROUP_CODE" val="l1-2"/>
+</p:tagLst>
+</file>
+
+<file path=ppt/tags/tag127.xml><?xml version="1.0" encoding="utf-8"?>
+<p:tagLst xmlns:a="http://schemas.openxmlformats.org/drawingml/2006/main" xmlns:r="http://schemas.openxmlformats.org/officeDocument/2006/relationships" xmlns:p="http://schemas.openxmlformats.org/presentationml/2006/main">
+  <p:tag name="KSO_WM_TAG_VERSION" val="1.0"/>
+  <p:tag name="KSO_WM_BEAUTIFY_FLAG" val="#wm#"/>
+  <p:tag name="KSO_WM_TEMPLATE_CATEGORY" val="custom"/>
+  <p:tag name="KSO_WM_TEMPLATE_INDEX" val="160117"/>
+  <p:tag name="KSO_WM_UNIT_TYPE" val="l_i"/>
+  <p:tag name="KSO_WM_UNIT_INDEX" val="1_6"/>
+  <p:tag name="KSO_WM_UNIT_ID" val="custom160117_16*l_i*1_6"/>
+  <p:tag name="KSO_WM_UNIT_CLEAR" val="1"/>
+  <p:tag name="KSO_WM_UNIT_LAYERLEVEL" val="1_1"/>
+  <p:tag name="KSO_WM_DIAGRAM_GROUP_CODE" val="l1-2"/>
+</p:tagLst>
+</file>
+
+<file path=ppt/tags/tag128.xml><?xml version="1.0" encoding="utf-8"?>
+<p:tagLst xmlns:a="http://schemas.openxmlformats.org/drawingml/2006/main" xmlns:r="http://schemas.openxmlformats.org/officeDocument/2006/relationships" xmlns:p="http://schemas.openxmlformats.org/presentationml/2006/main">
+  <p:tag name="KSO_WM_TAG_VERSION" val="1.0"/>
+  <p:tag name="KSO_WM_BEAUTIFY_FLAG" val="#wm#"/>
+  <p:tag name="KSO_WM_TEMPLATE_CATEGORY" val="custom"/>
+  <p:tag name="KSO_WM_TEMPLATE_INDEX" val="160117"/>
+  <p:tag name="KSO_WM_UNIT_TYPE" val="l_i"/>
+  <p:tag name="KSO_WM_UNIT_INDEX" val="1_1"/>
+  <p:tag name="KSO_WM_UNIT_ID" val="custom160117_16*l_i*1_1"/>
+  <p:tag name="KSO_WM_UNIT_CLEAR" val="1"/>
+  <p:tag name="KSO_WM_UNIT_LAYERLEVEL" val="1_1"/>
+  <p:tag name="KSO_WM_DIAGRAM_GROUP_CODE" val="l1-2"/>
+</p:tagLst>
+</file>
+
+<file path=ppt/tags/tag129.xml><?xml version="1.0" encoding="utf-8"?>
+<p:tagLst xmlns:a="http://schemas.openxmlformats.org/drawingml/2006/main" xmlns:r="http://schemas.openxmlformats.org/officeDocument/2006/relationships" xmlns:p="http://schemas.openxmlformats.org/presentationml/2006/main">
+  <p:tag name="KSO_WM_TAG_VERSION" val="1.0"/>
+  <p:tag name="KSO_WM_BEAUTIFY_FLAG" val="#wm#"/>
+  <p:tag name="KSO_WM_TEMPLATE_CATEGORY" val="custom"/>
+  <p:tag name="KSO_WM_TEMPLATE_INDEX" val="160117"/>
+  <p:tag name="KSO_WM_UNIT_TYPE" val="l_h_f"/>
+  <p:tag name="KSO_WM_UNIT_INDEX" val="1_1_1"/>
+  <p:tag name="KSO_WM_UNIT_ID" val="custom160117_16*l_h_f*1_1_1"/>
   <p:tag name="KSO_WM_UNIT_CLEAR" val="1"/>
   <p:tag name="KSO_WM_UNIT_LAYERLEVEL" val="1_1_1"/>
   <p:tag name="KSO_WM_UNIT_VALUE" val="27"/>
@@ -25635,71 +23628,6 @@
   <p:tag name="KSO_WM_TEMPLATE_CATEGORY" val="custom"/>
   <p:tag name="KSO_WM_TEMPLATE_INDEX" val="160117"/>
   <p:tag name="KSO_WM_UNIT_TYPE" val="l_i"/>
-  <p:tag name="KSO_WM_UNIT_INDEX" val="1_5"/>
-  <p:tag name="KSO_WM_UNIT_ID" val="custom160117_16*l_i*1_5"/>
-  <p:tag name="KSO_WM_UNIT_CLEAR" val="1"/>
-  <p:tag name="KSO_WM_UNIT_LAYERLEVEL" val="1_1"/>
-  <p:tag name="KSO_WM_DIAGRAM_GROUP_CODE" val="l1-2"/>
-</p:tagLst>
-</file>
-
-<file path=ppt/tags/tag131.xml><?xml version="1.0" encoding="utf-8"?>
-<p:tagLst xmlns:a="http://schemas.openxmlformats.org/drawingml/2006/main" xmlns:r="http://schemas.openxmlformats.org/officeDocument/2006/relationships" xmlns:p="http://schemas.openxmlformats.org/presentationml/2006/main">
-  <p:tag name="KSO_WM_TAG_VERSION" val="1.0"/>
-  <p:tag name="KSO_WM_BEAUTIFY_FLAG" val="#wm#"/>
-  <p:tag name="KSO_WM_TEMPLATE_CATEGORY" val="custom"/>
-  <p:tag name="KSO_WM_TEMPLATE_INDEX" val="160117"/>
-  <p:tag name="KSO_WM_UNIT_TYPE" val="l_i"/>
-  <p:tag name="KSO_WM_UNIT_INDEX" val="1_6"/>
-  <p:tag name="KSO_WM_UNIT_ID" val="custom160117_16*l_i*1_6"/>
-  <p:tag name="KSO_WM_UNIT_CLEAR" val="1"/>
-  <p:tag name="KSO_WM_UNIT_LAYERLEVEL" val="1_1"/>
-  <p:tag name="KSO_WM_DIAGRAM_GROUP_CODE" val="l1-2"/>
-</p:tagLst>
-</file>
-
-<file path=ppt/tags/tag132.xml><?xml version="1.0" encoding="utf-8"?>
-<p:tagLst xmlns:a="http://schemas.openxmlformats.org/drawingml/2006/main" xmlns:r="http://schemas.openxmlformats.org/officeDocument/2006/relationships" xmlns:p="http://schemas.openxmlformats.org/presentationml/2006/main">
-  <p:tag name="KSO_WM_TAG_VERSION" val="1.0"/>
-  <p:tag name="KSO_WM_BEAUTIFY_FLAG" val="#wm#"/>
-  <p:tag name="KSO_WM_TEMPLATE_CATEGORY" val="custom"/>
-  <p:tag name="KSO_WM_TEMPLATE_INDEX" val="160117"/>
-  <p:tag name="KSO_WM_UNIT_TYPE" val="l_i"/>
-  <p:tag name="KSO_WM_UNIT_INDEX" val="1_1"/>
-  <p:tag name="KSO_WM_UNIT_ID" val="custom160117_16*l_i*1_1"/>
-  <p:tag name="KSO_WM_UNIT_CLEAR" val="1"/>
-  <p:tag name="KSO_WM_UNIT_LAYERLEVEL" val="1_1"/>
-  <p:tag name="KSO_WM_DIAGRAM_GROUP_CODE" val="l1-2"/>
-</p:tagLst>
-</file>
-
-<file path=ppt/tags/tag133.xml><?xml version="1.0" encoding="utf-8"?>
-<p:tagLst xmlns:a="http://schemas.openxmlformats.org/drawingml/2006/main" xmlns:r="http://schemas.openxmlformats.org/officeDocument/2006/relationships" xmlns:p="http://schemas.openxmlformats.org/presentationml/2006/main">
-  <p:tag name="KSO_WM_TAG_VERSION" val="1.0"/>
-  <p:tag name="KSO_WM_BEAUTIFY_FLAG" val="#wm#"/>
-  <p:tag name="KSO_WM_TEMPLATE_CATEGORY" val="custom"/>
-  <p:tag name="KSO_WM_TEMPLATE_INDEX" val="160117"/>
-  <p:tag name="KSO_WM_UNIT_TYPE" val="l_h_f"/>
-  <p:tag name="KSO_WM_UNIT_INDEX" val="1_1_1"/>
-  <p:tag name="KSO_WM_UNIT_ID" val="custom160117_16*l_h_f*1_1_1"/>
-  <p:tag name="KSO_WM_UNIT_CLEAR" val="1"/>
-  <p:tag name="KSO_WM_UNIT_LAYERLEVEL" val="1_1_1"/>
-  <p:tag name="KSO_WM_UNIT_VALUE" val="27"/>
-  <p:tag name="KSO_WM_UNIT_HIGHLIGHT" val="0"/>
-  <p:tag name="KSO_WM_UNIT_COMPATIBLE" val="0"/>
-  <p:tag name="KSO_WM_UNIT_PRESET_TEXT_INDEX" val="3"/>
-  <p:tag name="KSO_WM_UNIT_PRESET_TEXT_LEN" val="12"/>
-  <p:tag name="KSO_WM_DIAGRAM_GROUP_CODE" val="l1-2"/>
-</p:tagLst>
-</file>
-
-<file path=ppt/tags/tag134.xml><?xml version="1.0" encoding="utf-8"?>
-<p:tagLst xmlns:a="http://schemas.openxmlformats.org/drawingml/2006/main" xmlns:r="http://schemas.openxmlformats.org/officeDocument/2006/relationships" xmlns:p="http://schemas.openxmlformats.org/presentationml/2006/main">
-  <p:tag name="KSO_WM_TAG_VERSION" val="1.0"/>
-  <p:tag name="KSO_WM_BEAUTIFY_FLAG" val="#wm#"/>
-  <p:tag name="KSO_WM_TEMPLATE_CATEGORY" val="custom"/>
-  <p:tag name="KSO_WM_TEMPLATE_INDEX" val="160117"/>
-  <p:tag name="KSO_WM_UNIT_TYPE" val="l_i"/>
   <p:tag name="KSO_WM_UNIT_INDEX" val="1_2"/>
   <p:tag name="KSO_WM_UNIT_ID" val="custom160117_16*l_i*1_2"/>
   <p:tag name="KSO_WM_UNIT_CLEAR" val="1"/>
@@ -25708,7 +23636,7 @@
 </p:tagLst>
 </file>
 
-<file path=ppt/tags/tag135.xml><?xml version="1.0" encoding="utf-8"?>
+<file path=ppt/tags/tag131.xml><?xml version="1.0" encoding="utf-8"?>
 <p:tagLst xmlns:a="http://schemas.openxmlformats.org/drawingml/2006/main" xmlns:r="http://schemas.openxmlformats.org/officeDocument/2006/relationships" xmlns:p="http://schemas.openxmlformats.org/presentationml/2006/main">
   <p:tag name="KSO_WM_TAG_VERSION" val="1.0"/>
   <p:tag name="KSO_WM_BEAUTIFY_FLAG" val="#wm#"/>
@@ -25723,7 +23651,7 @@
 </p:tagLst>
 </file>
 
-<file path=ppt/tags/tag136.xml><?xml version="1.0" encoding="utf-8"?>
+<file path=ppt/tags/tag132.xml><?xml version="1.0" encoding="utf-8"?>
 <p:tagLst xmlns:a="http://schemas.openxmlformats.org/drawingml/2006/main" xmlns:r="http://schemas.openxmlformats.org/officeDocument/2006/relationships" xmlns:p="http://schemas.openxmlformats.org/presentationml/2006/main">
   <p:tag name="KSO_WM_TEMPLATE_CATEGORY" val="custom"/>
   <p:tag name="KSO_WM_TEMPLATE_INDEX" val="160117"/>
@@ -25740,7 +23668,7 @@
 </p:tagLst>
 </file>
 
-<file path=ppt/tags/tag137.xml><?xml version="1.0" encoding="utf-8"?>
+<file path=ppt/tags/tag133.xml><?xml version="1.0" encoding="utf-8"?>
 <p:tagLst xmlns:a="http://schemas.openxmlformats.org/drawingml/2006/main" xmlns:r="http://schemas.openxmlformats.org/officeDocument/2006/relationships" xmlns:p="http://schemas.openxmlformats.org/presentationml/2006/main">
   <p:tag name="KSO_WM_TAG_VERSION" val="1.0"/>
   <p:tag name="KSO_WM_BEAUTIFY_FLAG" val="#wm#"/>
@@ -25760,7 +23688,7 @@
 </p:tagLst>
 </file>
 
-<file path=ppt/tags/tag138.xml><?xml version="1.0" encoding="utf-8"?>
+<file path=ppt/tags/tag134.xml><?xml version="1.0" encoding="utf-8"?>
 <p:tagLst xmlns:a="http://schemas.openxmlformats.org/drawingml/2006/main" xmlns:r="http://schemas.openxmlformats.org/officeDocument/2006/relationships" xmlns:p="http://schemas.openxmlformats.org/presentationml/2006/main">
   <p:tag name="KSO_WM_TEMPLATE_CATEGORY" val="custom"/>
   <p:tag name="KSO_WM_TEMPLATE_INDEX" val="160117"/>
@@ -25777,7 +23705,7 @@
 </p:tagLst>
 </file>
 
-<file path=ppt/tags/tag139.xml><?xml version="1.0" encoding="utf-8"?>
+<file path=ppt/tags/tag135.xml><?xml version="1.0" encoding="utf-8"?>
 <p:tagLst xmlns:a="http://schemas.openxmlformats.org/drawingml/2006/main" xmlns:r="http://schemas.openxmlformats.org/officeDocument/2006/relationships" xmlns:p="http://schemas.openxmlformats.org/presentationml/2006/main">
   <p:tag name="MH" val="20151013144530"/>
   <p:tag name="MH_LIBRARY" val="CONTENTS"/>
@@ -25797,19 +23725,7 @@
 </p:tagLst>
 </file>
 
-<file path=ppt/tags/tag14.xml><?xml version="1.0" encoding="utf-8"?>
-<p:tagLst xmlns:a="http://schemas.openxmlformats.org/drawingml/2006/main" xmlns:r="http://schemas.openxmlformats.org/officeDocument/2006/relationships" xmlns:p="http://schemas.openxmlformats.org/presentationml/2006/main">
-  <p:tag name="KSO_WM_TAG_VERSION" val="1.0"/>
-  <p:tag name="KSO_WM_BEAUTIFY_FLAG" val="#wm#"/>
-  <p:tag name="KSO_WM_UNIT_TYPE" val="i"/>
-  <p:tag name="KSO_WM_UNIT_ID" val="custom160117_11*i*21"/>
-  <p:tag name="KSO_WM_TEMPLATE_CATEGORY" val="custom"/>
-  <p:tag name="KSO_WM_TEMPLATE_INDEX" val="160117"/>
-  <p:tag name="KSO_WM_UNIT_INDEX" val="21"/>
-</p:tagLst>
-</file>
-
-<file path=ppt/tags/tag140.xml><?xml version="1.0" encoding="utf-8"?>
+<file path=ppt/tags/tag136.xml><?xml version="1.0" encoding="utf-8"?>
 <p:tagLst xmlns:a="http://schemas.openxmlformats.org/drawingml/2006/main" xmlns:r="http://schemas.openxmlformats.org/officeDocument/2006/relationships" xmlns:p="http://schemas.openxmlformats.org/presentationml/2006/main">
   <p:tag name="KSO_WM_TAG_VERSION" val="1.0"/>
   <p:tag name="KSO_WM_BEAUTIFY_FLAG" val="#wm#"/>
@@ -25829,7 +23745,7 @@
 </p:tagLst>
 </file>
 
-<file path=ppt/tags/tag141.xml><?xml version="1.0" encoding="utf-8"?>
+<file path=ppt/tags/tag137.xml><?xml version="1.0" encoding="utf-8"?>
 <p:tagLst xmlns:a="http://schemas.openxmlformats.org/drawingml/2006/main" xmlns:r="http://schemas.openxmlformats.org/officeDocument/2006/relationships" xmlns:p="http://schemas.openxmlformats.org/presentationml/2006/main">
   <p:tag name="KSO_WM_TAG_VERSION" val="1.0"/>
   <p:tag name="KSO_WM_BEAUTIFY_FLAG" val="#wm#"/>
@@ -25847,7 +23763,7 @@
 </p:tagLst>
 </file>
 
-<file path=ppt/tags/tag142.xml><?xml version="1.0" encoding="utf-8"?>
+<file path=ppt/tags/tag138.xml><?xml version="1.0" encoding="utf-8"?>
 <p:tagLst xmlns:a="http://schemas.openxmlformats.org/drawingml/2006/main" xmlns:r="http://schemas.openxmlformats.org/officeDocument/2006/relationships" xmlns:p="http://schemas.openxmlformats.org/presentationml/2006/main">
   <p:tag name="KSO_WM_TEMPLATE_CATEGORY" val="custom"/>
   <p:tag name="KSO_WM_TEMPLATE_INDEX" val="160117"/>
@@ -25864,7 +23780,7 @@
 </p:tagLst>
 </file>
 
-<file path=ppt/tags/tag143.xml><?xml version="1.0" encoding="utf-8"?>
+<file path=ppt/tags/tag139.xml><?xml version="1.0" encoding="utf-8"?>
 <p:tagLst xmlns:a="http://schemas.openxmlformats.org/drawingml/2006/main" xmlns:r="http://schemas.openxmlformats.org/officeDocument/2006/relationships" xmlns:p="http://schemas.openxmlformats.org/presentationml/2006/main">
   <p:tag name="MH" val="20151014103447"/>
   <p:tag name="MH_LIBRARY" val="GRAPHIC"/>
@@ -25880,7 +23796,19 @@
 </p:tagLst>
 </file>
 
-<file path=ppt/tags/tag144.xml><?xml version="1.0" encoding="utf-8"?>
+<file path=ppt/tags/tag14.xml><?xml version="1.0" encoding="utf-8"?>
+<p:tagLst xmlns:a="http://schemas.openxmlformats.org/drawingml/2006/main" xmlns:r="http://schemas.openxmlformats.org/officeDocument/2006/relationships" xmlns:p="http://schemas.openxmlformats.org/presentationml/2006/main">
+  <p:tag name="KSO_WM_TAG_VERSION" val="1.0"/>
+  <p:tag name="KSO_WM_BEAUTIFY_FLAG" val="#wm#"/>
+  <p:tag name="KSO_WM_UNIT_TYPE" val="i"/>
+  <p:tag name="KSO_WM_UNIT_ID" val="custom160117_11*i*21"/>
+  <p:tag name="KSO_WM_TEMPLATE_CATEGORY" val="custom"/>
+  <p:tag name="KSO_WM_TEMPLATE_INDEX" val="160117"/>
+  <p:tag name="KSO_WM_UNIT_INDEX" val="21"/>
+</p:tagLst>
+</file>
+
+<file path=ppt/tags/tag140.xml><?xml version="1.0" encoding="utf-8"?>
 <p:tagLst xmlns:a="http://schemas.openxmlformats.org/drawingml/2006/main" xmlns:r="http://schemas.openxmlformats.org/officeDocument/2006/relationships" xmlns:p="http://schemas.openxmlformats.org/presentationml/2006/main">
   <p:tag name="MH" val="20151014103447"/>
   <p:tag name="MH_LIBRARY" val="GRAPHIC"/>
@@ -25896,7 +23824,7 @@
 </p:tagLst>
 </file>
 
-<file path=ppt/tags/tag145.xml><?xml version="1.0" encoding="utf-8"?>
+<file path=ppt/tags/tag141.xml><?xml version="1.0" encoding="utf-8"?>
 <p:tagLst xmlns:a="http://schemas.openxmlformats.org/drawingml/2006/main" xmlns:r="http://schemas.openxmlformats.org/officeDocument/2006/relationships" xmlns:p="http://schemas.openxmlformats.org/presentationml/2006/main">
   <p:tag name="KSO_WM_TAG_VERSION" val="1.0"/>
   <p:tag name="KSO_WM_BEAUTIFY_FLAG" val="#wm#"/>
@@ -25916,7 +23844,7 @@
 </p:tagLst>
 </file>
 
-<file path=ppt/tags/tag146.xml><?xml version="1.0" encoding="utf-8"?>
+<file path=ppt/tags/tag142.xml><?xml version="1.0" encoding="utf-8"?>
 <p:tagLst xmlns:a="http://schemas.openxmlformats.org/drawingml/2006/main" xmlns:r="http://schemas.openxmlformats.org/officeDocument/2006/relationships" xmlns:p="http://schemas.openxmlformats.org/presentationml/2006/main">
   <p:tag name="KSO_WM_TEMPLATE_CATEGORY" val="custom"/>
   <p:tag name="KSO_WM_TEMPLATE_INDEX" val="160117"/>
@@ -25934,7 +23862,7 @@
 </p:tagLst>
 </file>
 
-<file path=ppt/tags/tag147.xml><?xml version="1.0" encoding="utf-8"?>
+<file path=ppt/tags/tag143.xml><?xml version="1.0" encoding="utf-8"?>
 <p:tagLst xmlns:a="http://schemas.openxmlformats.org/drawingml/2006/main" xmlns:r="http://schemas.openxmlformats.org/officeDocument/2006/relationships" xmlns:p="http://schemas.openxmlformats.org/presentationml/2006/main">
   <p:tag name="KSO_WM_TAG_VERSION" val="1.0"/>
   <p:tag name="KSO_WM_BEAUTIFY_FLAG" val="#wm#"/>
@@ -25954,7 +23882,7 @@
 </p:tagLst>
 </file>
 
-<file path=ppt/tags/tag148.xml><?xml version="1.0" encoding="utf-8"?>
+<file path=ppt/tags/tag144.xml><?xml version="1.0" encoding="utf-8"?>
 <p:tagLst xmlns:a="http://schemas.openxmlformats.org/drawingml/2006/main" xmlns:r="http://schemas.openxmlformats.org/officeDocument/2006/relationships" xmlns:p="http://schemas.openxmlformats.org/presentationml/2006/main">
   <p:tag name="KSO_WM_TEMPLATE_CATEGORY" val="custom"/>
   <p:tag name="KSO_WM_TEMPLATE_INDEX" val="160117"/>
@@ -25971,7 +23899,7 @@
 </p:tagLst>
 </file>
 
-<file path=ppt/tags/tag149.xml><?xml version="1.0" encoding="utf-8"?>
+<file path=ppt/tags/tag145.xml><?xml version="1.0" encoding="utf-8"?>
 <p:tagLst xmlns:a="http://schemas.openxmlformats.org/drawingml/2006/main" xmlns:r="http://schemas.openxmlformats.org/officeDocument/2006/relationships" xmlns:p="http://schemas.openxmlformats.org/presentationml/2006/main">
   <p:tag name="MH" val="20151014103447"/>
   <p:tag name="MH_LIBRARY" val="GRAPHIC"/>
@@ -25987,19 +23915,7 @@
 </p:tagLst>
 </file>
 
-<file path=ppt/tags/tag15.xml><?xml version="1.0" encoding="utf-8"?>
-<p:tagLst xmlns:a="http://schemas.openxmlformats.org/drawingml/2006/main" xmlns:r="http://schemas.openxmlformats.org/officeDocument/2006/relationships" xmlns:p="http://schemas.openxmlformats.org/presentationml/2006/main">
-  <p:tag name="KSO_WM_TAG_VERSION" val="1.0"/>
-  <p:tag name="KSO_WM_BEAUTIFY_FLAG" val="#wm#"/>
-  <p:tag name="KSO_WM_UNIT_TYPE" val="i"/>
-  <p:tag name="KSO_WM_UNIT_ID" val="custom160117_11*i*26"/>
-  <p:tag name="KSO_WM_TEMPLATE_CATEGORY" val="custom"/>
-  <p:tag name="KSO_WM_TEMPLATE_INDEX" val="160117"/>
-  <p:tag name="KSO_WM_UNIT_INDEX" val="26"/>
-</p:tagLst>
-</file>
-
-<file path=ppt/tags/tag150.xml><?xml version="1.0" encoding="utf-8"?>
+<file path=ppt/tags/tag146.xml><?xml version="1.0" encoding="utf-8"?>
 <p:tagLst xmlns:a="http://schemas.openxmlformats.org/drawingml/2006/main" xmlns:r="http://schemas.openxmlformats.org/officeDocument/2006/relationships" xmlns:p="http://schemas.openxmlformats.org/presentationml/2006/main">
   <p:tag name="MH" val="20151014103447"/>
   <p:tag name="MH_LIBRARY" val="GRAPHIC"/>
@@ -26015,7 +23931,7 @@
 </p:tagLst>
 </file>
 
-<file path=ppt/tags/tag151.xml><?xml version="1.0" encoding="utf-8"?>
+<file path=ppt/tags/tag147.xml><?xml version="1.0" encoding="utf-8"?>
 <p:tagLst xmlns:a="http://schemas.openxmlformats.org/drawingml/2006/main" xmlns:r="http://schemas.openxmlformats.org/officeDocument/2006/relationships" xmlns:p="http://schemas.openxmlformats.org/presentationml/2006/main">
   <p:tag name="KSO_WM_TAG_VERSION" val="1.0"/>
   <p:tag name="KSO_WM_BEAUTIFY_FLAG" val="#wm#"/>
@@ -26035,7 +23951,7 @@
 </p:tagLst>
 </file>
 
-<file path=ppt/tags/tag152.xml><?xml version="1.0" encoding="utf-8"?>
+<file path=ppt/tags/tag148.xml><?xml version="1.0" encoding="utf-8"?>
 <p:tagLst xmlns:a="http://schemas.openxmlformats.org/drawingml/2006/main" xmlns:r="http://schemas.openxmlformats.org/officeDocument/2006/relationships" xmlns:p="http://schemas.openxmlformats.org/presentationml/2006/main">
   <p:tag name="MH" val="20151013144530"/>
   <p:tag name="MH_LIBRARY" val="CONTENTS"/>
@@ -26055,7 +23971,7 @@
 </p:tagLst>
 </file>
 
-<file path=ppt/tags/tag153.xml><?xml version="1.0" encoding="utf-8"?>
+<file path=ppt/tags/tag149.xml><?xml version="1.0" encoding="utf-8"?>
 <p:tagLst xmlns:a="http://schemas.openxmlformats.org/drawingml/2006/main" xmlns:r="http://schemas.openxmlformats.org/officeDocument/2006/relationships" xmlns:p="http://schemas.openxmlformats.org/presentationml/2006/main">
   <p:tag name="KSO_WM_TAG_VERSION" val="1.0"/>
   <p:tag name="KSO_WM_BEAUTIFY_FLAG" val="#wm#"/>
@@ -26075,7 +23991,19 @@
 </p:tagLst>
 </file>
 
-<file path=ppt/tags/tag154.xml><?xml version="1.0" encoding="utf-8"?>
+<file path=ppt/tags/tag15.xml><?xml version="1.0" encoding="utf-8"?>
+<p:tagLst xmlns:a="http://schemas.openxmlformats.org/drawingml/2006/main" xmlns:r="http://schemas.openxmlformats.org/officeDocument/2006/relationships" xmlns:p="http://schemas.openxmlformats.org/presentationml/2006/main">
+  <p:tag name="KSO_WM_TAG_VERSION" val="1.0"/>
+  <p:tag name="KSO_WM_BEAUTIFY_FLAG" val="#wm#"/>
+  <p:tag name="KSO_WM_UNIT_TYPE" val="i"/>
+  <p:tag name="KSO_WM_UNIT_ID" val="custom160117_11*i*26"/>
+  <p:tag name="KSO_WM_TEMPLATE_CATEGORY" val="custom"/>
+  <p:tag name="KSO_WM_TEMPLATE_INDEX" val="160117"/>
+  <p:tag name="KSO_WM_UNIT_INDEX" val="26"/>
+</p:tagLst>
+</file>
+
+<file path=ppt/tags/tag150.xml><?xml version="1.0" encoding="utf-8"?>
 <p:tagLst xmlns:a="http://schemas.openxmlformats.org/drawingml/2006/main" xmlns:r="http://schemas.openxmlformats.org/officeDocument/2006/relationships" xmlns:p="http://schemas.openxmlformats.org/presentationml/2006/main">
   <p:tag name="KSO_WM_TAG_VERSION" val="1.0"/>
   <p:tag name="KSO_WM_BEAUTIFY_FLAG" val="#wm#"/>
@@ -26093,7 +24021,7 @@
 </p:tagLst>
 </file>
 
-<file path=ppt/tags/tag155.xml><?xml version="1.0" encoding="utf-8"?>
+<file path=ppt/tags/tag151.xml><?xml version="1.0" encoding="utf-8"?>
 <p:tagLst xmlns:a="http://schemas.openxmlformats.org/drawingml/2006/main" xmlns:r="http://schemas.openxmlformats.org/officeDocument/2006/relationships" xmlns:p="http://schemas.openxmlformats.org/presentationml/2006/main">
   <p:tag name="KSO_WM_TEMPLATE_CATEGORY" val="custom"/>
   <p:tag name="KSO_WM_TEMPLATE_INDEX" val="160117"/>
@@ -26111,7 +24039,7 @@
 </p:tagLst>
 </file>
 
-<file path=ppt/tags/tag156.xml><?xml version="1.0" encoding="utf-8"?>
+<file path=ppt/tags/tag152.xml><?xml version="1.0" encoding="utf-8"?>
 <p:tagLst xmlns:a="http://schemas.openxmlformats.org/drawingml/2006/main" xmlns:r="http://schemas.openxmlformats.org/officeDocument/2006/relationships" xmlns:p="http://schemas.openxmlformats.org/presentationml/2006/main">
   <p:tag name="KSO_WM_TAG_VERSION" val="1.0"/>
   <p:tag name="KSO_WM_BEAUTIFY_FLAG" val="#wm#"/>
@@ -26131,7 +24059,7 @@
 </p:tagLst>
 </file>
 
-<file path=ppt/tags/tag157.xml><?xml version="1.0" encoding="utf-8"?>
+<file path=ppt/tags/tag153.xml><?xml version="1.0" encoding="utf-8"?>
 <p:tagLst xmlns:a="http://schemas.openxmlformats.org/drawingml/2006/main" xmlns:r="http://schemas.openxmlformats.org/officeDocument/2006/relationships" xmlns:p="http://schemas.openxmlformats.org/presentationml/2006/main">
   <p:tag name="KSO_WM_TEMPLATE_CATEGORY" val="custom"/>
   <p:tag name="KSO_WM_TEMPLATE_INDEX" val="160117"/>
@@ -26148,7 +24076,7 @@
 </p:tagLst>
 </file>
 
-<file path=ppt/tags/tag158.xml><?xml version="1.0" encoding="utf-8"?>
+<file path=ppt/tags/tag154.xml><?xml version="1.0" encoding="utf-8"?>
 <p:tagLst xmlns:a="http://schemas.openxmlformats.org/drawingml/2006/main" xmlns:r="http://schemas.openxmlformats.org/officeDocument/2006/relationships" xmlns:p="http://schemas.openxmlformats.org/presentationml/2006/main">
   <p:tag name="MH" val="20151014103447"/>
   <p:tag name="MH_LIBRARY" val="GRAPHIC"/>
@@ -26164,7 +24092,7 @@
 </p:tagLst>
 </file>
 
-<file path=ppt/tags/tag159.xml><?xml version="1.0" encoding="utf-8"?>
+<file path=ppt/tags/tag155.xml><?xml version="1.0" encoding="utf-8"?>
 <p:tagLst xmlns:a="http://schemas.openxmlformats.org/drawingml/2006/main" xmlns:r="http://schemas.openxmlformats.org/officeDocument/2006/relationships" xmlns:p="http://schemas.openxmlformats.org/presentationml/2006/main">
   <p:tag name="MH" val="20151014103447"/>
   <p:tag name="MH_LIBRARY" val="GRAPHIC"/>
@@ -26177,6 +24105,82 @@
   <p:tag name="KSO_WM_TEMPLATE_CATEGORY" val="custom"/>
   <p:tag name="KSO_WM_TEMPLATE_INDEX" val="160117"/>
   <p:tag name="KSO_WM_UNIT_INDEX" val="3"/>
+</p:tagLst>
+</file>
+
+<file path=ppt/tags/tag156.xml><?xml version="1.0" encoding="utf-8"?>
+<p:tagLst xmlns:a="http://schemas.openxmlformats.org/drawingml/2006/main" xmlns:r="http://schemas.openxmlformats.org/officeDocument/2006/relationships" xmlns:p="http://schemas.openxmlformats.org/presentationml/2006/main">
+  <p:tag name="KSO_WM_TAG_VERSION" val="1.0"/>
+  <p:tag name="KSO_WM_BEAUTIFY_FLAG" val="#wm#"/>
+  <p:tag name="KSO_WM_TEMPLATE_CATEGORY" val="custom"/>
+  <p:tag name="KSO_WM_TEMPLATE_INDEX" val="160117"/>
+  <p:tag name="KSO_WM_UNIT_TYPE" val="a"/>
+  <p:tag name="KSO_WM_UNIT_INDEX" val="1"/>
+  <p:tag name="KSO_WM_UNIT_ID" val="custom160117_13*a*1"/>
+  <p:tag name="KSO_WM_UNIT_CLEAR" val="1"/>
+  <p:tag name="KSO_WM_UNIT_LAYERLEVEL" val="1"/>
+  <p:tag name="KSO_WM_UNIT_VALUE" val="29"/>
+  <p:tag name="KSO_WM_UNIT_ISCONTENTSTITLE" val="0"/>
+  <p:tag name="KSO_WM_UNIT_HIGHLIGHT" val="0"/>
+  <p:tag name="KSO_WM_UNIT_COMPATIBLE" val="0"/>
+  <p:tag name="KSO_WM_UNIT_PRESET_TEXT_INDEX" val="3"/>
+  <p:tag name="KSO_WM_UNIT_PRESET_TEXT_LEN" val="21"/>
+</p:tagLst>
+</file>
+
+<file path=ppt/tags/tag157.xml><?xml version="1.0" encoding="utf-8"?>
+<p:tagLst xmlns:a="http://schemas.openxmlformats.org/drawingml/2006/main" xmlns:r="http://schemas.openxmlformats.org/officeDocument/2006/relationships" xmlns:p="http://schemas.openxmlformats.org/presentationml/2006/main">
+  <p:tag name="KSO_WM_TEMPLATE_CATEGORY" val="custom"/>
+  <p:tag name="KSO_WM_TEMPLATE_INDEX" val="160117"/>
+  <p:tag name="KSO_WM_TAG_VERSION" val="1.0"/>
+  <p:tag name="KSO_WM_SLIDE_ID" val="custom160117_17"/>
+  <p:tag name="KSO_WM_SLIDE_INDEX" val="17"/>
+  <p:tag name="KSO_WM_SLIDE_ITEM_CNT" val="3"/>
+  <p:tag name="KSO_WM_SLIDE_LAYOUT" val="a_l"/>
+  <p:tag name="KSO_WM_SLIDE_LAYOUT_CNT" val="1_1"/>
+  <p:tag name="KSO_WM_SLIDE_TYPE" val="text"/>
+  <p:tag name="KSO_WM_BEAUTIFY_FLAG" val="#wm#"/>
+  <p:tag name="KSO_WM_SLIDE_POSITION" val="287*143"/>
+  <p:tag name="KSO_WM_SLIDE_SIZE" val="387*281"/>
+  <p:tag name="KSO_WM_DIAGRAM_GROUP_CODE" val="l1-2"/>
+</p:tagLst>
+</file>
+
+<file path=ppt/tags/tag158.xml><?xml version="1.0" encoding="utf-8"?>
+<p:tagLst xmlns:a="http://schemas.openxmlformats.org/drawingml/2006/main" xmlns:r="http://schemas.openxmlformats.org/officeDocument/2006/relationships" xmlns:p="http://schemas.openxmlformats.org/presentationml/2006/main">
+  <p:tag name="KSO_WM_TAG_VERSION" val="1.0"/>
+  <p:tag name="KSO_WM_BEAUTIFY_FLAG" val="#wm#"/>
+  <p:tag name="KSO_WM_TEMPLATE_CATEGORY" val="custom"/>
+  <p:tag name="KSO_WM_TEMPLATE_INDEX" val="160117"/>
+  <p:tag name="KSO_WM_UNIT_TYPE" val="a"/>
+  <p:tag name="KSO_WM_UNIT_INDEX" val="1"/>
+  <p:tag name="KSO_WM_UNIT_ID" val="custom160117_17*a*1"/>
+  <p:tag name="KSO_WM_UNIT_CLEAR" val="1"/>
+  <p:tag name="KSO_WM_UNIT_LAYERLEVEL" val="1"/>
+  <p:tag name="KSO_WM_UNIT_VALUE" val="29"/>
+  <p:tag name="KSO_WM_UNIT_ISCONTENTSTITLE" val="0"/>
+  <p:tag name="KSO_WM_UNIT_HIGHLIGHT" val="0"/>
+  <p:tag name="KSO_WM_UNIT_COMPATIBLE" val="0"/>
+  <p:tag name="KSO_WM_UNIT_PRESET_TEXT_INDEX" val="3"/>
+  <p:tag name="KSO_WM_UNIT_PRESET_TEXT_LEN" val="24"/>
+</p:tagLst>
+</file>
+
+<file path=ppt/tags/tag159.xml><?xml version="1.0" encoding="utf-8"?>
+<p:tagLst xmlns:a="http://schemas.openxmlformats.org/drawingml/2006/main" xmlns:r="http://schemas.openxmlformats.org/officeDocument/2006/relationships" xmlns:p="http://schemas.openxmlformats.org/presentationml/2006/main">
+  <p:tag name="KSO_WM_TEMPLATE_CATEGORY" val="custom"/>
+  <p:tag name="KSO_WM_TEMPLATE_INDEX" val="160117"/>
+  <p:tag name="KSO_WM_TAG_VERSION" val="1.0"/>
+  <p:tag name="KSO_WM_SLIDE_ID" val="custom160117_17"/>
+  <p:tag name="KSO_WM_SLIDE_INDEX" val="17"/>
+  <p:tag name="KSO_WM_SLIDE_ITEM_CNT" val="3"/>
+  <p:tag name="KSO_WM_SLIDE_LAYOUT" val="a_l"/>
+  <p:tag name="KSO_WM_SLIDE_LAYOUT_CNT" val="1_1"/>
+  <p:tag name="KSO_WM_SLIDE_TYPE" val="text"/>
+  <p:tag name="KSO_WM_BEAUTIFY_FLAG" val="#wm#"/>
+  <p:tag name="KSO_WM_SLIDE_POSITION" val="287*143"/>
+  <p:tag name="KSO_WM_SLIDE_SIZE" val="387*281"/>
+  <p:tag name="KSO_WM_DIAGRAM_GROUP_CODE" val="l1-2"/>
 </p:tagLst>
 </file>
 
@@ -26212,7 +24216,7 @@
   <p:tag name="KSO_WM_TEMPLATE_INDEX" val="160117"/>
   <p:tag name="KSO_WM_UNIT_TYPE" val="a"/>
   <p:tag name="KSO_WM_UNIT_INDEX" val="1"/>
-  <p:tag name="KSO_WM_UNIT_ID" val="custom160117_13*a*1"/>
+  <p:tag name="KSO_WM_UNIT_ID" val="custom160117_17*a*1"/>
   <p:tag name="KSO_WM_UNIT_CLEAR" val="1"/>
   <p:tag name="KSO_WM_UNIT_LAYERLEVEL" val="1"/>
   <p:tag name="KSO_WM_UNIT_VALUE" val="29"/>
@@ -26220,7 +24224,7 @@
   <p:tag name="KSO_WM_UNIT_HIGHLIGHT" val="0"/>
   <p:tag name="KSO_WM_UNIT_COMPATIBLE" val="0"/>
   <p:tag name="KSO_WM_UNIT_PRESET_TEXT_INDEX" val="3"/>
-  <p:tag name="KSO_WM_UNIT_PRESET_TEXT_LEN" val="21"/>
+  <p:tag name="KSO_WM_UNIT_PRESET_TEXT_LEN" val="24"/>
 </p:tagLst>
 </file>
 
@@ -26264,82 +24268,6 @@
 
 <file path=ppt/tags/tag163.xml><?xml version="1.0" encoding="utf-8"?>
 <p:tagLst xmlns:a="http://schemas.openxmlformats.org/drawingml/2006/main" xmlns:r="http://schemas.openxmlformats.org/officeDocument/2006/relationships" xmlns:p="http://schemas.openxmlformats.org/presentationml/2006/main">
-  <p:tag name="KSO_WM_TEMPLATE_CATEGORY" val="custom"/>
-  <p:tag name="KSO_WM_TEMPLATE_INDEX" val="160117"/>
-  <p:tag name="KSO_WM_TAG_VERSION" val="1.0"/>
-  <p:tag name="KSO_WM_SLIDE_ID" val="custom160117_17"/>
-  <p:tag name="KSO_WM_SLIDE_INDEX" val="17"/>
-  <p:tag name="KSO_WM_SLIDE_ITEM_CNT" val="3"/>
-  <p:tag name="KSO_WM_SLIDE_LAYOUT" val="a_l"/>
-  <p:tag name="KSO_WM_SLIDE_LAYOUT_CNT" val="1_1"/>
-  <p:tag name="KSO_WM_SLIDE_TYPE" val="text"/>
-  <p:tag name="KSO_WM_BEAUTIFY_FLAG" val="#wm#"/>
-  <p:tag name="KSO_WM_SLIDE_POSITION" val="287*143"/>
-  <p:tag name="KSO_WM_SLIDE_SIZE" val="387*281"/>
-  <p:tag name="KSO_WM_DIAGRAM_GROUP_CODE" val="l1-2"/>
-</p:tagLst>
-</file>
-
-<file path=ppt/tags/tag164.xml><?xml version="1.0" encoding="utf-8"?>
-<p:tagLst xmlns:a="http://schemas.openxmlformats.org/drawingml/2006/main" xmlns:r="http://schemas.openxmlformats.org/officeDocument/2006/relationships" xmlns:p="http://schemas.openxmlformats.org/presentationml/2006/main">
-  <p:tag name="KSO_WM_TAG_VERSION" val="1.0"/>
-  <p:tag name="KSO_WM_BEAUTIFY_FLAG" val="#wm#"/>
-  <p:tag name="KSO_WM_TEMPLATE_CATEGORY" val="custom"/>
-  <p:tag name="KSO_WM_TEMPLATE_INDEX" val="160117"/>
-  <p:tag name="KSO_WM_UNIT_TYPE" val="a"/>
-  <p:tag name="KSO_WM_UNIT_INDEX" val="1"/>
-  <p:tag name="KSO_WM_UNIT_ID" val="custom160117_17*a*1"/>
-  <p:tag name="KSO_WM_UNIT_CLEAR" val="1"/>
-  <p:tag name="KSO_WM_UNIT_LAYERLEVEL" val="1"/>
-  <p:tag name="KSO_WM_UNIT_VALUE" val="29"/>
-  <p:tag name="KSO_WM_UNIT_ISCONTENTSTITLE" val="0"/>
-  <p:tag name="KSO_WM_UNIT_HIGHLIGHT" val="0"/>
-  <p:tag name="KSO_WM_UNIT_COMPATIBLE" val="0"/>
-  <p:tag name="KSO_WM_UNIT_PRESET_TEXT_INDEX" val="3"/>
-  <p:tag name="KSO_WM_UNIT_PRESET_TEXT_LEN" val="24"/>
-</p:tagLst>
-</file>
-
-<file path=ppt/tags/tag165.xml><?xml version="1.0" encoding="utf-8"?>
-<p:tagLst xmlns:a="http://schemas.openxmlformats.org/drawingml/2006/main" xmlns:r="http://schemas.openxmlformats.org/officeDocument/2006/relationships" xmlns:p="http://schemas.openxmlformats.org/presentationml/2006/main">
-  <p:tag name="KSO_WM_TEMPLATE_CATEGORY" val="custom"/>
-  <p:tag name="KSO_WM_TEMPLATE_INDEX" val="160117"/>
-  <p:tag name="KSO_WM_TAG_VERSION" val="1.0"/>
-  <p:tag name="KSO_WM_SLIDE_ID" val="custom160117_17"/>
-  <p:tag name="KSO_WM_SLIDE_INDEX" val="17"/>
-  <p:tag name="KSO_WM_SLIDE_ITEM_CNT" val="3"/>
-  <p:tag name="KSO_WM_SLIDE_LAYOUT" val="a_l"/>
-  <p:tag name="KSO_WM_SLIDE_LAYOUT_CNT" val="1_1"/>
-  <p:tag name="KSO_WM_SLIDE_TYPE" val="text"/>
-  <p:tag name="KSO_WM_BEAUTIFY_FLAG" val="#wm#"/>
-  <p:tag name="KSO_WM_SLIDE_POSITION" val="287*143"/>
-  <p:tag name="KSO_WM_SLIDE_SIZE" val="387*281"/>
-  <p:tag name="KSO_WM_DIAGRAM_GROUP_CODE" val="l1-2"/>
-</p:tagLst>
-</file>
-
-<file path=ppt/tags/tag166.xml><?xml version="1.0" encoding="utf-8"?>
-<p:tagLst xmlns:a="http://schemas.openxmlformats.org/drawingml/2006/main" xmlns:r="http://schemas.openxmlformats.org/officeDocument/2006/relationships" xmlns:p="http://schemas.openxmlformats.org/presentationml/2006/main">
-  <p:tag name="KSO_WM_TAG_VERSION" val="1.0"/>
-  <p:tag name="KSO_WM_BEAUTIFY_FLAG" val="#wm#"/>
-  <p:tag name="KSO_WM_TEMPLATE_CATEGORY" val="custom"/>
-  <p:tag name="KSO_WM_TEMPLATE_INDEX" val="160117"/>
-  <p:tag name="KSO_WM_UNIT_TYPE" val="a"/>
-  <p:tag name="KSO_WM_UNIT_INDEX" val="1"/>
-  <p:tag name="KSO_WM_UNIT_ID" val="custom160117_17*a*1"/>
-  <p:tag name="KSO_WM_UNIT_CLEAR" val="1"/>
-  <p:tag name="KSO_WM_UNIT_LAYERLEVEL" val="1"/>
-  <p:tag name="KSO_WM_UNIT_VALUE" val="29"/>
-  <p:tag name="KSO_WM_UNIT_ISCONTENTSTITLE" val="0"/>
-  <p:tag name="KSO_WM_UNIT_HIGHLIGHT" val="0"/>
-  <p:tag name="KSO_WM_UNIT_COMPATIBLE" val="0"/>
-  <p:tag name="KSO_WM_UNIT_PRESET_TEXT_INDEX" val="3"/>
-  <p:tag name="KSO_WM_UNIT_PRESET_TEXT_LEN" val="24"/>
-</p:tagLst>
-</file>
-
-<file path=ppt/tags/tag167.xml><?xml version="1.0" encoding="utf-8"?>
-<p:tagLst xmlns:a="http://schemas.openxmlformats.org/drawingml/2006/main" xmlns:r="http://schemas.openxmlformats.org/officeDocument/2006/relationships" xmlns:p="http://schemas.openxmlformats.org/presentationml/2006/main">
   <p:tag name="MH" val="20151013144530"/>
   <p:tag name="MH_LIBRARY" val="CONTENTS"/>
   <p:tag name="MH_AUTOCOLOR" val="TRUE"/>
@@ -26358,7 +24286,7 @@
 </p:tagLst>
 </file>
 
-<file path=ppt/tags/tag168.xml><?xml version="1.0" encoding="utf-8"?>
+<file path=ppt/tags/tag164.xml><?xml version="1.0" encoding="utf-8"?>
 <p:tagLst xmlns:a="http://schemas.openxmlformats.org/drawingml/2006/main" xmlns:r="http://schemas.openxmlformats.org/officeDocument/2006/relationships" xmlns:p="http://schemas.openxmlformats.org/presentationml/2006/main">
   <p:tag name="KSO_WM_TAG_VERSION" val="1.0"/>
   <p:tag name="KSO_WM_BEAUTIFY_FLAG" val="#wm#"/>
@@ -26378,7 +24306,7 @@
 </p:tagLst>
 </file>
 
-<file path=ppt/tags/tag169.xml><?xml version="1.0" encoding="utf-8"?>
+<file path=ppt/tags/tag165.xml><?xml version="1.0" encoding="utf-8"?>
 <p:tagLst xmlns:a="http://schemas.openxmlformats.org/drawingml/2006/main" xmlns:r="http://schemas.openxmlformats.org/officeDocument/2006/relationships" xmlns:p="http://schemas.openxmlformats.org/presentationml/2006/main">
   <p:tag name="KSO_WM_TAG_VERSION" val="1.0"/>
   <p:tag name="KSO_WM_BEAUTIFY_FLAG" val="#wm#"/>
@@ -26393,6 +24321,75 @@
   <p:tag name="KSO_WM_UNIT_HIGHLIGHT" val="0"/>
   <p:tag name="KSO_WM_UNIT_COMPATIBLE" val="1"/>
   <p:tag name="KSO_WM_UNIT_PRESET_TEXT" val="01"/>
+</p:tagLst>
+</file>
+
+<file path=ppt/tags/tag166.xml><?xml version="1.0" encoding="utf-8"?>
+<p:tagLst xmlns:a="http://schemas.openxmlformats.org/drawingml/2006/main" xmlns:r="http://schemas.openxmlformats.org/officeDocument/2006/relationships" xmlns:p="http://schemas.openxmlformats.org/presentationml/2006/main">
+  <p:tag name="KSO_WM_TEMPLATE_CATEGORY" val="custom"/>
+  <p:tag name="KSO_WM_TEMPLATE_INDEX" val="160117"/>
+  <p:tag name="KSO_WM_TAG_VERSION" val="1.0"/>
+  <p:tag name="KSO_WM_SLIDE_ID" val="custom160117_13"/>
+  <p:tag name="KSO_WM_SLIDE_INDEX" val="13"/>
+  <p:tag name="KSO_WM_SLIDE_ITEM_CNT" val="1"/>
+  <p:tag name="KSO_WM_SLIDE_LAYOUT" val="a_f"/>
+  <p:tag name="KSO_WM_SLIDE_LAYOUT_CNT" val="1_1"/>
+  <p:tag name="KSO_WM_SLIDE_TYPE" val="text"/>
+  <p:tag name="KSO_WM_BEAUTIFY_FLAG" val="#wm#"/>
+  <p:tag name="KSO_WM_SLIDE_POSITION" val="245*209"/>
+  <p:tag name="KSO_WM_SLIDE_SIZE" val="505*173"/>
+</p:tagLst>
+</file>
+
+<file path=ppt/tags/tag167.xml><?xml version="1.0" encoding="utf-8"?>
+<p:tagLst xmlns:a="http://schemas.openxmlformats.org/drawingml/2006/main" xmlns:r="http://schemas.openxmlformats.org/officeDocument/2006/relationships" xmlns:p="http://schemas.openxmlformats.org/presentationml/2006/main">
+  <p:tag name="MH" val="20151014103447"/>
+  <p:tag name="MH_LIBRARY" val="GRAPHIC"/>
+  <p:tag name="MH_TYPE" val="Other"/>
+  <p:tag name="MH_ORDER" val="3"/>
+  <p:tag name="KSO_WM_TAG_VERSION" val="1.0"/>
+  <p:tag name="KSO_WM_BEAUTIFY_FLAG" val="#wm#"/>
+  <p:tag name="KSO_WM_UNIT_TYPE" val="i"/>
+  <p:tag name="KSO_WM_UNIT_ID" val="custom160117_13*i*2"/>
+  <p:tag name="KSO_WM_TEMPLATE_CATEGORY" val="custom"/>
+  <p:tag name="KSO_WM_TEMPLATE_INDEX" val="160117"/>
+  <p:tag name="KSO_WM_UNIT_INDEX" val="2"/>
+</p:tagLst>
+</file>
+
+<file path=ppt/tags/tag168.xml><?xml version="1.0" encoding="utf-8"?>
+<p:tagLst xmlns:a="http://schemas.openxmlformats.org/drawingml/2006/main" xmlns:r="http://schemas.openxmlformats.org/officeDocument/2006/relationships" xmlns:p="http://schemas.openxmlformats.org/presentationml/2006/main">
+  <p:tag name="MH" val="20151014103447"/>
+  <p:tag name="MH_LIBRARY" val="GRAPHIC"/>
+  <p:tag name="MH_TYPE" val="Other"/>
+  <p:tag name="MH_ORDER" val="4"/>
+  <p:tag name="KSO_WM_TAG_VERSION" val="1.0"/>
+  <p:tag name="KSO_WM_BEAUTIFY_FLAG" val="#wm#"/>
+  <p:tag name="KSO_WM_UNIT_TYPE" val="i"/>
+  <p:tag name="KSO_WM_UNIT_ID" val="custom160117_13*i*3"/>
+  <p:tag name="KSO_WM_TEMPLATE_CATEGORY" val="custom"/>
+  <p:tag name="KSO_WM_TEMPLATE_INDEX" val="160117"/>
+  <p:tag name="KSO_WM_UNIT_INDEX" val="3"/>
+</p:tagLst>
+</file>
+
+<file path=ppt/tags/tag169.xml><?xml version="1.0" encoding="utf-8"?>
+<p:tagLst xmlns:a="http://schemas.openxmlformats.org/drawingml/2006/main" xmlns:r="http://schemas.openxmlformats.org/officeDocument/2006/relationships" xmlns:p="http://schemas.openxmlformats.org/presentationml/2006/main">
+  <p:tag name="KSO_WM_TAG_VERSION" val="1.0"/>
+  <p:tag name="KSO_WM_BEAUTIFY_FLAG" val="#wm#"/>
+  <p:tag name="KSO_WM_TEMPLATE_CATEGORY" val="custom"/>
+  <p:tag name="KSO_WM_TEMPLATE_INDEX" val="160117"/>
+  <p:tag name="KSO_WM_UNIT_TYPE" val="a"/>
+  <p:tag name="KSO_WM_UNIT_INDEX" val="1"/>
+  <p:tag name="KSO_WM_UNIT_ID" val="custom160117_13*a*1"/>
+  <p:tag name="KSO_WM_UNIT_CLEAR" val="1"/>
+  <p:tag name="KSO_WM_UNIT_LAYERLEVEL" val="1"/>
+  <p:tag name="KSO_WM_UNIT_VALUE" val="29"/>
+  <p:tag name="KSO_WM_UNIT_ISCONTENTSTITLE" val="0"/>
+  <p:tag name="KSO_WM_UNIT_HIGHLIGHT" val="0"/>
+  <p:tag name="KSO_WM_UNIT_COMPATIBLE" val="0"/>
+  <p:tag name="KSO_WM_UNIT_PRESET_TEXT_INDEX" val="3"/>
+  <p:tag name="KSO_WM_UNIT_PRESET_TEXT_LEN" val="21"/>
 </p:tagLst>
 </file>
 
@@ -26417,75 +24414,6 @@
   <p:tag name="KSO_WM_TEMPLATE_CATEGORY" val="custom"/>
   <p:tag name="KSO_WM_TEMPLATE_INDEX" val="160117"/>
   <p:tag name="KSO_WM_TAG_VERSION" val="1.0"/>
-  <p:tag name="KSO_WM_SLIDE_ID" val="custom160117_13"/>
-  <p:tag name="KSO_WM_SLIDE_INDEX" val="13"/>
-  <p:tag name="KSO_WM_SLIDE_ITEM_CNT" val="1"/>
-  <p:tag name="KSO_WM_SLIDE_LAYOUT" val="a_f"/>
-  <p:tag name="KSO_WM_SLIDE_LAYOUT_CNT" val="1_1"/>
-  <p:tag name="KSO_WM_SLIDE_TYPE" val="text"/>
-  <p:tag name="KSO_WM_BEAUTIFY_FLAG" val="#wm#"/>
-  <p:tag name="KSO_WM_SLIDE_POSITION" val="245*209"/>
-  <p:tag name="KSO_WM_SLIDE_SIZE" val="505*173"/>
-</p:tagLst>
-</file>
-
-<file path=ppt/tags/tag171.xml><?xml version="1.0" encoding="utf-8"?>
-<p:tagLst xmlns:a="http://schemas.openxmlformats.org/drawingml/2006/main" xmlns:r="http://schemas.openxmlformats.org/officeDocument/2006/relationships" xmlns:p="http://schemas.openxmlformats.org/presentationml/2006/main">
-  <p:tag name="MH" val="20151014103447"/>
-  <p:tag name="MH_LIBRARY" val="GRAPHIC"/>
-  <p:tag name="MH_TYPE" val="Other"/>
-  <p:tag name="MH_ORDER" val="3"/>
-  <p:tag name="KSO_WM_TAG_VERSION" val="1.0"/>
-  <p:tag name="KSO_WM_BEAUTIFY_FLAG" val="#wm#"/>
-  <p:tag name="KSO_WM_UNIT_TYPE" val="i"/>
-  <p:tag name="KSO_WM_UNIT_ID" val="custom160117_13*i*2"/>
-  <p:tag name="KSO_WM_TEMPLATE_CATEGORY" val="custom"/>
-  <p:tag name="KSO_WM_TEMPLATE_INDEX" val="160117"/>
-  <p:tag name="KSO_WM_UNIT_INDEX" val="2"/>
-</p:tagLst>
-</file>
-
-<file path=ppt/tags/tag172.xml><?xml version="1.0" encoding="utf-8"?>
-<p:tagLst xmlns:a="http://schemas.openxmlformats.org/drawingml/2006/main" xmlns:r="http://schemas.openxmlformats.org/officeDocument/2006/relationships" xmlns:p="http://schemas.openxmlformats.org/presentationml/2006/main">
-  <p:tag name="MH" val="20151014103447"/>
-  <p:tag name="MH_LIBRARY" val="GRAPHIC"/>
-  <p:tag name="MH_TYPE" val="Other"/>
-  <p:tag name="MH_ORDER" val="4"/>
-  <p:tag name="KSO_WM_TAG_VERSION" val="1.0"/>
-  <p:tag name="KSO_WM_BEAUTIFY_FLAG" val="#wm#"/>
-  <p:tag name="KSO_WM_UNIT_TYPE" val="i"/>
-  <p:tag name="KSO_WM_UNIT_ID" val="custom160117_13*i*3"/>
-  <p:tag name="KSO_WM_TEMPLATE_CATEGORY" val="custom"/>
-  <p:tag name="KSO_WM_TEMPLATE_INDEX" val="160117"/>
-  <p:tag name="KSO_WM_UNIT_INDEX" val="3"/>
-</p:tagLst>
-</file>
-
-<file path=ppt/tags/tag173.xml><?xml version="1.0" encoding="utf-8"?>
-<p:tagLst xmlns:a="http://schemas.openxmlformats.org/drawingml/2006/main" xmlns:r="http://schemas.openxmlformats.org/officeDocument/2006/relationships" xmlns:p="http://schemas.openxmlformats.org/presentationml/2006/main">
-  <p:tag name="KSO_WM_TAG_VERSION" val="1.0"/>
-  <p:tag name="KSO_WM_BEAUTIFY_FLAG" val="#wm#"/>
-  <p:tag name="KSO_WM_TEMPLATE_CATEGORY" val="custom"/>
-  <p:tag name="KSO_WM_TEMPLATE_INDEX" val="160117"/>
-  <p:tag name="KSO_WM_UNIT_TYPE" val="a"/>
-  <p:tag name="KSO_WM_UNIT_INDEX" val="1"/>
-  <p:tag name="KSO_WM_UNIT_ID" val="custom160117_13*a*1"/>
-  <p:tag name="KSO_WM_UNIT_CLEAR" val="1"/>
-  <p:tag name="KSO_WM_UNIT_LAYERLEVEL" val="1"/>
-  <p:tag name="KSO_WM_UNIT_VALUE" val="29"/>
-  <p:tag name="KSO_WM_UNIT_ISCONTENTSTITLE" val="0"/>
-  <p:tag name="KSO_WM_UNIT_HIGHLIGHT" val="0"/>
-  <p:tag name="KSO_WM_UNIT_COMPATIBLE" val="0"/>
-  <p:tag name="KSO_WM_UNIT_PRESET_TEXT_INDEX" val="3"/>
-  <p:tag name="KSO_WM_UNIT_PRESET_TEXT_LEN" val="21"/>
-</p:tagLst>
-</file>
-
-<file path=ppt/tags/tag174.xml><?xml version="1.0" encoding="utf-8"?>
-<p:tagLst xmlns:a="http://schemas.openxmlformats.org/drawingml/2006/main" xmlns:r="http://schemas.openxmlformats.org/officeDocument/2006/relationships" xmlns:p="http://schemas.openxmlformats.org/presentationml/2006/main">
-  <p:tag name="KSO_WM_TEMPLATE_CATEGORY" val="custom"/>
-  <p:tag name="KSO_WM_TEMPLATE_INDEX" val="160117"/>
-  <p:tag name="KSO_WM_TAG_VERSION" val="1.0"/>
   <p:tag name="KSO_WM_SLIDE_ID" val="custom160117_18"/>
   <p:tag name="KSO_WM_SLIDE_INDEX" val="18"/>
   <p:tag name="KSO_WM_SLIDE_ITEM_CNT" val="4"/>
@@ -26499,7 +24427,7 @@
 </p:tagLst>
 </file>
 
-<file path=ppt/tags/tag175.xml><?xml version="1.0" encoding="utf-8"?>
+<file path=ppt/tags/tag171.xml><?xml version="1.0" encoding="utf-8"?>
 <p:tagLst xmlns:a="http://schemas.openxmlformats.org/drawingml/2006/main" xmlns:r="http://schemas.openxmlformats.org/officeDocument/2006/relationships" xmlns:p="http://schemas.openxmlformats.org/presentationml/2006/main">
   <p:tag name="KSO_WM_TAG_VERSION" val="1.0"/>
   <p:tag name="KSO_WM_BEAUTIFY_FLAG" val="#wm#"/>
@@ -26519,7 +24447,7 @@
 </p:tagLst>
 </file>
 
-<file path=ppt/tags/tag176.xml><?xml version="1.0" encoding="utf-8"?>
+<file path=ppt/tags/tag172.xml><?xml version="1.0" encoding="utf-8"?>
 <p:tagLst xmlns:a="http://schemas.openxmlformats.org/drawingml/2006/main" xmlns:r="http://schemas.openxmlformats.org/officeDocument/2006/relationships" xmlns:p="http://schemas.openxmlformats.org/presentationml/2006/main">
   <p:tag name="KSO_WM_TAG_VERSION" val="1.0"/>
   <p:tag name="KSO_WM_BEAUTIFY_FLAG" val="#wm#"/>
@@ -26539,7 +24467,7 @@
 </p:tagLst>
 </file>
 
-<file path=ppt/tags/tag177.xml><?xml version="1.0" encoding="utf-8"?>
+<file path=ppt/tags/tag173.xml><?xml version="1.0" encoding="utf-8"?>
 <p:tagLst xmlns:a="http://schemas.openxmlformats.org/drawingml/2006/main" xmlns:r="http://schemas.openxmlformats.org/officeDocument/2006/relationships" xmlns:p="http://schemas.openxmlformats.org/presentationml/2006/main">
   <p:tag name="MH" val="20151013144139"/>
   <p:tag name="MH_LIBRARY" val="GRAPHIC"/>
@@ -26556,7 +24484,7 @@
 </p:tagLst>
 </file>
 
-<file path=ppt/tags/tag178.xml><?xml version="1.0" encoding="utf-8"?>
+<file path=ppt/tags/tag174.xml><?xml version="1.0" encoding="utf-8"?>
 <p:tagLst xmlns:a="http://schemas.openxmlformats.org/drawingml/2006/main" xmlns:r="http://schemas.openxmlformats.org/officeDocument/2006/relationships" xmlns:p="http://schemas.openxmlformats.org/presentationml/2006/main">
   <p:tag name="MH" val="20151013144139"/>
   <p:tag name="MH_LIBRARY" val="GRAPHIC"/>
@@ -28395,7 +26323,7 @@
   <a:extraClrSchemeLst/>
   <a:extLst>
     <a:ext uri="{05A4C25C-085E-4340-85A3-A5531E510DB2}">
-      <thm15:themeFamily xmlns="" xmlns:thm15="http://schemas.microsoft.com/office/thememl/2012/main" name="Office Theme" id="{62F939B6-93AF-4DB8-9C6B-D6C7DFDC589F}" vid="{4A3C46E8-61CC-4603-A589-7422A47A8E4A}"/>
+      <thm15:themeFamily xmlns:thm15="http://schemas.microsoft.com/office/thememl/2012/main" xmlns="" name="Office Theme" id="{62F939B6-93AF-4DB8-9C6B-D6C7DFDC589F}" vid="{4A3C46E8-61CC-4603-A589-7422A47A8E4A}"/>
     </a:ext>
   </a:extLst>
 </a:theme>
@@ -28656,7 +26584,7 @@
   <a:extraClrSchemeLst/>
   <a:extLst>
     <a:ext uri="{05A4C25C-085E-4340-85A3-A5531E510DB2}">
-      <thm15:themeFamily xmlns="" xmlns:thm15="http://schemas.microsoft.com/office/thememl/2012/main" name="Office Theme" id="{62F939B6-93AF-4DB8-9C6B-D6C7DFDC589F}" vid="{4A3C46E8-61CC-4603-A589-7422A47A8E4A}"/>
+      <thm15:themeFamily xmlns:thm15="http://schemas.microsoft.com/office/thememl/2012/main" xmlns="" name="Office Theme" id="{62F939B6-93AF-4DB8-9C6B-D6C7DFDC589F}" vid="{4A3C46E8-61CC-4603-A589-7422A47A8E4A}"/>
     </a:ext>
   </a:extLst>
 </a:theme>
